--- a/ACM/LeetCode/解题图示.pptx
+++ b/ACM/LeetCode/解题图示.pptx
@@ -5,10 +5,11 @@
     <p:sldMasterId id="2147483648" r:id="rId1"/>
   </p:sldMasterIdLst>
   <p:notesMasterIdLst>
-    <p:notesMasterId r:id="rId3"/>
+    <p:notesMasterId r:id="rId4"/>
   </p:notesMasterIdLst>
   <p:sldIdLst>
     <p:sldId id="256" r:id="rId2"/>
+    <p:sldId id="257" r:id="rId3"/>
   </p:sldIdLst>
   <p:sldSz cx="12192000" cy="6858000"/>
   <p:notesSz cx="6858000" cy="9144000"/>
@@ -107,6 +108,11 @@
       </a:defRPr>
     </a:lvl9pPr>
   </p:defaultTextStyle>
+  <p:extLst>
+    <p:ext uri="{EFAFB233-063F-42B5-8137-9DF3F51BA10A}">
+      <p15:sldGuideLst xmlns:p15="http://schemas.microsoft.com/office/powerpoint/2012/main"/>
+    </p:ext>
+  </p:extLst>
 </p:presentation>
 </file>
 
@@ -192,7 +198,7 @@
           <a:p>
             <a:fld id="{1C0646E1-6F60-44B5-97A9-DBC3145D1F3F}" type="datetimeFigureOut">
               <a:rPr lang="zh-CN" altLang="en-US" smtClean="0"/>
-              <a:t>2020/6/25</a:t>
+              <a:t>2020/6/27</a:t>
             </a:fld>
             <a:endParaRPr lang="zh-CN" altLang="en-US"/>
           </a:p>
@@ -543,6 +549,90 @@
 </p:notes>
 </file>
 
+<file path=ppt/notesSlides/notesSlide2.xml><?xml version="1.0" encoding="utf-8"?>
+<p:notes xmlns:a="http://schemas.openxmlformats.org/drawingml/2006/main" xmlns:r="http://schemas.openxmlformats.org/officeDocument/2006/relationships" xmlns:p="http://schemas.openxmlformats.org/presentationml/2006/main">
+  <p:cSld>
+    <p:spTree>
+      <p:nvGrpSpPr>
+        <p:cNvPr id="1" name=""/>
+        <p:cNvGrpSpPr/>
+        <p:nvPr/>
+      </p:nvGrpSpPr>
+      <p:grpSpPr>
+        <a:xfrm>
+          <a:off x="0" y="0"/>
+          <a:ext cx="0" cy="0"/>
+          <a:chOff x="0" y="0"/>
+          <a:chExt cx="0" cy="0"/>
+        </a:xfrm>
+      </p:grpSpPr>
+      <p:sp>
+        <p:nvSpPr>
+          <p:cNvPr id="2" name="幻灯片图像占位符 1"/>
+          <p:cNvSpPr>
+            <a:spLocks noGrp="1" noRot="1" noChangeAspect="1"/>
+          </p:cNvSpPr>
+          <p:nvPr>
+            <p:ph type="sldImg"/>
+          </p:nvPr>
+        </p:nvSpPr>
+        <p:spPr/>
+      </p:sp>
+      <p:sp>
+        <p:nvSpPr>
+          <p:cNvPr id="3" name="备注占位符 2"/>
+          <p:cNvSpPr>
+            <a:spLocks noGrp="1"/>
+          </p:cNvSpPr>
+          <p:nvPr>
+            <p:ph type="body" idx="1"/>
+          </p:nvPr>
+        </p:nvSpPr>
+        <p:spPr/>
+        <p:txBody>
+          <a:bodyPr/>
+          <a:lstStyle/>
+          <a:p>
+            <a:endParaRPr lang="zh-CN" altLang="en-US" dirty="0"/>
+          </a:p>
+        </p:txBody>
+      </p:sp>
+      <p:sp>
+        <p:nvSpPr>
+          <p:cNvPr id="4" name="灯片编号占位符 3"/>
+          <p:cNvSpPr>
+            <a:spLocks noGrp="1"/>
+          </p:cNvSpPr>
+          <p:nvPr>
+            <p:ph type="sldNum" sz="quarter" idx="5"/>
+          </p:nvPr>
+        </p:nvSpPr>
+        <p:spPr/>
+        <p:txBody>
+          <a:bodyPr/>
+          <a:lstStyle/>
+          <a:p>
+            <a:fld id="{72591993-BF08-432C-A134-D61905505B8F}" type="slidenum">
+              <a:rPr lang="zh-CN" altLang="en-US" smtClean="0"/>
+              <a:t>2</a:t>
+            </a:fld>
+            <a:endParaRPr lang="zh-CN" altLang="en-US"/>
+          </a:p>
+        </p:txBody>
+      </p:sp>
+    </p:spTree>
+    <p:extLst>
+      <p:ext uri="{BB962C8B-B14F-4D97-AF65-F5344CB8AC3E}">
+        <p14:creationId xmlns:p14="http://schemas.microsoft.com/office/powerpoint/2010/main" val="3353584239"/>
+      </p:ext>
+    </p:extLst>
+  </p:cSld>
+  <p:clrMapOvr>
+    <a:masterClrMapping/>
+  </p:clrMapOvr>
+</p:notes>
+</file>
+
 <file path=ppt/slideLayouts/slideLayout1.xml><?xml version="1.0" encoding="utf-8"?>
 <p:sldLayout xmlns:a="http://schemas.openxmlformats.org/drawingml/2006/main" xmlns:r="http://schemas.openxmlformats.org/officeDocument/2006/relationships" xmlns:p="http://schemas.openxmlformats.org/presentationml/2006/main" type="title" preserve="1">
   <p:cSld name="标题幻灯片">
@@ -690,7 +780,7 @@
           <a:p>
             <a:fld id="{B2F85F7B-424A-4D46-B603-03320BA3592D}" type="datetimeFigureOut">
               <a:rPr lang="zh-CN" altLang="en-US" smtClean="0"/>
-              <a:t>2020/6/25</a:t>
+              <a:t>2020/6/27</a:t>
             </a:fld>
             <a:endParaRPr lang="zh-CN" altLang="en-US"/>
           </a:p>
@@ -888,7 +978,7 @@
           <a:p>
             <a:fld id="{B2F85F7B-424A-4D46-B603-03320BA3592D}" type="datetimeFigureOut">
               <a:rPr lang="zh-CN" altLang="en-US" smtClean="0"/>
-              <a:t>2020/6/25</a:t>
+              <a:t>2020/6/27</a:t>
             </a:fld>
             <a:endParaRPr lang="zh-CN" altLang="en-US"/>
           </a:p>
@@ -1096,7 +1186,7 @@
           <a:p>
             <a:fld id="{B2F85F7B-424A-4D46-B603-03320BA3592D}" type="datetimeFigureOut">
               <a:rPr lang="zh-CN" altLang="en-US" smtClean="0"/>
-              <a:t>2020/6/25</a:t>
+              <a:t>2020/6/27</a:t>
             </a:fld>
             <a:endParaRPr lang="zh-CN" altLang="en-US"/>
           </a:p>
@@ -1294,7 +1384,7 @@
           <a:p>
             <a:fld id="{B2F85F7B-424A-4D46-B603-03320BA3592D}" type="datetimeFigureOut">
               <a:rPr lang="zh-CN" altLang="en-US" smtClean="0"/>
-              <a:t>2020/6/25</a:t>
+              <a:t>2020/6/27</a:t>
             </a:fld>
             <a:endParaRPr lang="zh-CN" altLang="en-US"/>
           </a:p>
@@ -1569,7 +1659,7 @@
           <a:p>
             <a:fld id="{B2F85F7B-424A-4D46-B603-03320BA3592D}" type="datetimeFigureOut">
               <a:rPr lang="zh-CN" altLang="en-US" smtClean="0"/>
-              <a:t>2020/6/25</a:t>
+              <a:t>2020/6/27</a:t>
             </a:fld>
             <a:endParaRPr lang="zh-CN" altLang="en-US"/>
           </a:p>
@@ -1834,7 +1924,7 @@
           <a:p>
             <a:fld id="{B2F85F7B-424A-4D46-B603-03320BA3592D}" type="datetimeFigureOut">
               <a:rPr lang="zh-CN" altLang="en-US" smtClean="0"/>
-              <a:t>2020/6/25</a:t>
+              <a:t>2020/6/27</a:t>
             </a:fld>
             <a:endParaRPr lang="zh-CN" altLang="en-US"/>
           </a:p>
@@ -2246,7 +2336,7 @@
           <a:p>
             <a:fld id="{B2F85F7B-424A-4D46-B603-03320BA3592D}" type="datetimeFigureOut">
               <a:rPr lang="zh-CN" altLang="en-US" smtClean="0"/>
-              <a:t>2020/6/25</a:t>
+              <a:t>2020/6/27</a:t>
             </a:fld>
             <a:endParaRPr lang="zh-CN" altLang="en-US"/>
           </a:p>
@@ -2387,7 +2477,7 @@
           <a:p>
             <a:fld id="{B2F85F7B-424A-4D46-B603-03320BA3592D}" type="datetimeFigureOut">
               <a:rPr lang="zh-CN" altLang="en-US" smtClean="0"/>
-              <a:t>2020/6/25</a:t>
+              <a:t>2020/6/27</a:t>
             </a:fld>
             <a:endParaRPr lang="zh-CN" altLang="en-US"/>
           </a:p>
@@ -2500,7 +2590,7 @@
           <a:p>
             <a:fld id="{B2F85F7B-424A-4D46-B603-03320BA3592D}" type="datetimeFigureOut">
               <a:rPr lang="zh-CN" altLang="en-US" smtClean="0"/>
-              <a:t>2020/6/25</a:t>
+              <a:t>2020/6/27</a:t>
             </a:fld>
             <a:endParaRPr lang="zh-CN" altLang="en-US"/>
           </a:p>
@@ -2811,7 +2901,7 @@
           <a:p>
             <a:fld id="{B2F85F7B-424A-4D46-B603-03320BA3592D}" type="datetimeFigureOut">
               <a:rPr lang="zh-CN" altLang="en-US" smtClean="0"/>
-              <a:t>2020/6/25</a:t>
+              <a:t>2020/6/27</a:t>
             </a:fld>
             <a:endParaRPr lang="zh-CN" altLang="en-US"/>
           </a:p>
@@ -3099,7 +3189,7 @@
           <a:p>
             <a:fld id="{B2F85F7B-424A-4D46-B603-03320BA3592D}" type="datetimeFigureOut">
               <a:rPr lang="zh-CN" altLang="en-US" smtClean="0"/>
-              <a:t>2020/6/25</a:t>
+              <a:t>2020/6/27</a:t>
             </a:fld>
             <a:endParaRPr lang="zh-CN" altLang="en-US"/>
           </a:p>
@@ -3340,7 +3430,7 @@
           <a:p>
             <a:fld id="{B2F85F7B-424A-4D46-B603-03320BA3592D}" type="datetimeFigureOut">
               <a:rPr lang="zh-CN" altLang="en-US" smtClean="0"/>
-              <a:t>2020/6/25</a:t>
+              <a:t>2020/6/27</a:t>
             </a:fld>
             <a:endParaRPr lang="zh-CN" altLang="en-US"/>
           </a:p>
@@ -6662,6 +6752,226 @@
     <p:extLst>
       <p:ext uri="{BB962C8B-B14F-4D97-AF65-F5344CB8AC3E}">
         <p14:creationId xmlns:p14="http://schemas.microsoft.com/office/powerpoint/2010/main" val="1373637699"/>
+      </p:ext>
+    </p:extLst>
+  </p:cSld>
+  <p:clrMapOvr>
+    <a:masterClrMapping/>
+  </p:clrMapOvr>
+</p:sld>
+</file>
+
+<file path=ppt/slides/slide2.xml><?xml version="1.0" encoding="utf-8"?>
+<p:sld xmlns:a="http://schemas.openxmlformats.org/drawingml/2006/main" xmlns:r="http://schemas.openxmlformats.org/officeDocument/2006/relationships" xmlns:p="http://schemas.openxmlformats.org/presentationml/2006/main">
+  <p:cSld>
+    <p:bg>
+      <p:bgPr>
+        <a:blipFill>
+          <a:blip r:embed="rId3"/>
+          <a:tile tx="0" ty="0" sx="100000" sy="100000" flip="none" algn="tl"/>
+        </a:blipFill>
+        <a:effectLst/>
+      </p:bgPr>
+    </p:bg>
+    <p:spTree>
+      <p:nvGrpSpPr>
+        <p:cNvPr id="1" name=""/>
+        <p:cNvGrpSpPr/>
+        <p:nvPr/>
+      </p:nvGrpSpPr>
+      <p:grpSpPr>
+        <a:xfrm>
+          <a:off x="0" y="0"/>
+          <a:ext cx="0" cy="0"/>
+          <a:chOff x="0" y="0"/>
+          <a:chExt cx="0" cy="0"/>
+        </a:xfrm>
+      </p:grpSpPr>
+      <p:sp>
+        <p:nvSpPr>
+          <p:cNvPr id="2" name="矩形 1">
+            <a:extLst>
+              <a:ext uri="{FF2B5EF4-FFF2-40B4-BE49-F238E27FC236}">
+                <a16:creationId xmlns:a16="http://schemas.microsoft.com/office/drawing/2014/main" id="{FA54A13B-4787-4D68-BA24-58348CD4F8A2}"/>
+              </a:ext>
+            </a:extLst>
+          </p:cNvPr>
+          <p:cNvSpPr/>
+          <p:nvPr/>
+        </p:nvSpPr>
+        <p:spPr>
+          <a:xfrm>
+            <a:off x="3777343" y="326571"/>
+            <a:ext cx="4637314" cy="783771"/>
+          </a:xfrm>
+          <a:prstGeom prst="rect">
+            <a:avLst/>
+          </a:prstGeom>
+          <a:solidFill>
+            <a:schemeClr val="bg1">
+              <a:lumMod val="85000"/>
+            </a:schemeClr>
+          </a:solidFill>
+        </p:spPr>
+        <p:style>
+          <a:lnRef idx="2">
+            <a:schemeClr val="accent1">
+              <a:shade val="50000"/>
+            </a:schemeClr>
+          </a:lnRef>
+          <a:fillRef idx="1">
+            <a:schemeClr val="accent1"/>
+          </a:fillRef>
+          <a:effectRef idx="0">
+            <a:schemeClr val="accent1"/>
+          </a:effectRef>
+          <a:fontRef idx="minor">
+            <a:schemeClr val="lt1"/>
+          </a:fontRef>
+        </p:style>
+        <p:txBody>
+          <a:bodyPr rtlCol="0" anchor="ctr"/>
+          <a:lstStyle/>
+          <a:p>
+            <a:pPr algn="ctr"/>
+            <a:endParaRPr lang="zh-CN" altLang="en-US"/>
+          </a:p>
+        </p:txBody>
+      </p:sp>
+      <p:pic>
+        <p:nvPicPr>
+          <p:cNvPr id="5" name="图片 4" descr="图片包含 游戏机, 文字&#10;&#10;描述已自动生成">
+            <a:extLst>
+              <a:ext uri="{FF2B5EF4-FFF2-40B4-BE49-F238E27FC236}">
+                <a16:creationId xmlns:a16="http://schemas.microsoft.com/office/drawing/2014/main" id="{D3037C1E-8056-49CD-95FD-C1A2939618F6}"/>
+              </a:ext>
+            </a:extLst>
+          </p:cNvPr>
+          <p:cNvPicPr>
+            <a:picLocks noChangeAspect="1"/>
+          </p:cNvPicPr>
+          <p:nvPr/>
+        </p:nvPicPr>
+        <p:blipFill>
+          <a:blip r:embed="rId4">
+            <a:extLst>
+              <a:ext uri="{28A0092B-C50C-407E-A947-70E740481C1C}">
+                <a14:useLocalDpi xmlns:a14="http://schemas.microsoft.com/office/drawing/2010/main" val="0"/>
+              </a:ext>
+            </a:extLst>
+          </a:blip>
+          <a:stretch>
+            <a:fillRect/>
+          </a:stretch>
+        </p:blipFill>
+        <p:spPr>
+          <a:xfrm>
+            <a:off x="1962539" y="0"/>
+            <a:ext cx="7797282" cy="5847962"/>
+          </a:xfrm>
+          <a:prstGeom prst="rect">
+            <a:avLst/>
+          </a:prstGeom>
+        </p:spPr>
+      </p:pic>
+      <p:sp>
+        <p:nvSpPr>
+          <p:cNvPr id="71" name="文本框 70">
+            <a:extLst>
+              <a:ext uri="{FF2B5EF4-FFF2-40B4-BE49-F238E27FC236}">
+                <a16:creationId xmlns:a16="http://schemas.microsoft.com/office/drawing/2014/main" id="{06D3F958-4D76-4DB4-AFA9-880C5E421E21}"/>
+              </a:ext>
+            </a:extLst>
+          </p:cNvPr>
+          <p:cNvSpPr txBox="1"/>
+          <p:nvPr/>
+        </p:nvSpPr>
+        <p:spPr>
+          <a:xfrm>
+            <a:off x="7918367" y="5167413"/>
+            <a:ext cx="992579" cy="369332"/>
+          </a:xfrm>
+          <a:prstGeom prst="rect">
+            <a:avLst/>
+          </a:prstGeom>
+          <a:noFill/>
+        </p:spPr>
+        <p:txBody>
+          <a:bodyPr wrap="none" rtlCol="0">
+            <a:spAutoFit/>
+          </a:bodyPr>
+          <a:lstStyle/>
+          <a:p>
+            <a:r>
+              <a:rPr lang="en-US" altLang="zh-CN" dirty="0">
+                <a:latin typeface="liguofu" panose="02000600000000000000" pitchFamily="2" charset="-122"/>
+                <a:ea typeface="liguofu" panose="02000600000000000000" pitchFamily="2" charset="-122"/>
+                <a:cs typeface="liguofu" panose="02000600000000000000" pitchFamily="2" charset="-122"/>
+              </a:rPr>
+              <a:t>By </a:t>
+            </a:r>
+            <a:r>
+              <a:rPr lang="zh-CN" altLang="en-US" dirty="0">
+                <a:latin typeface="liguofu" panose="02000600000000000000" pitchFamily="2" charset="-122"/>
+                <a:ea typeface="liguofu" panose="02000600000000000000" pitchFamily="2" charset="-122"/>
+                <a:cs typeface="liguofu" panose="02000600000000000000" pitchFamily="2" charset="-122"/>
+              </a:rPr>
+              <a:t>红烛</a:t>
+            </a:r>
+          </a:p>
+        </p:txBody>
+      </p:sp>
+      <p:sp>
+        <p:nvSpPr>
+          <p:cNvPr id="72" name="文本框 71">
+            <a:extLst>
+              <a:ext uri="{FF2B5EF4-FFF2-40B4-BE49-F238E27FC236}">
+                <a16:creationId xmlns:a16="http://schemas.microsoft.com/office/drawing/2014/main" id="{E0CD80A7-66B7-4B60-AB82-7D92539A452E}"/>
+              </a:ext>
+            </a:extLst>
+          </p:cNvPr>
+          <p:cNvSpPr txBox="1"/>
+          <p:nvPr/>
+        </p:nvSpPr>
+        <p:spPr>
+          <a:xfrm>
+            <a:off x="6941976" y="5504479"/>
+            <a:ext cx="2817845" cy="369332"/>
+          </a:xfrm>
+          <a:prstGeom prst="rect">
+            <a:avLst/>
+          </a:prstGeom>
+          <a:noFill/>
+        </p:spPr>
+        <p:txBody>
+          <a:bodyPr wrap="square" rtlCol="0">
+            <a:spAutoFit/>
+          </a:bodyPr>
+          <a:lstStyle/>
+          <a:p>
+            <a:r>
+              <a:rPr lang="en-US" altLang="zh-CN" dirty="0">
+                <a:latin typeface="liguofu" panose="02000600000000000000" pitchFamily="2" charset="-122"/>
+                <a:ea typeface="liguofu" panose="02000600000000000000" pitchFamily="2" charset="-122"/>
+                <a:cs typeface="liguofu" panose="02000600000000000000" pitchFamily="2" charset="-122"/>
+              </a:rPr>
+              <a:t>1290-</a:t>
+            </a:r>
+            <a:r>
+              <a:rPr lang="zh-CN" altLang="en-US" dirty="0">
+                <a:latin typeface="liguofu" panose="02000600000000000000" pitchFamily="2" charset="-122"/>
+                <a:ea typeface="liguofu" panose="02000600000000000000" pitchFamily="2" charset="-122"/>
+                <a:cs typeface="liguofu" panose="02000600000000000000" pitchFamily="2" charset="-122"/>
+              </a:rPr>
+              <a:t>二进制链表转十进制</a:t>
+            </a:r>
+          </a:p>
+        </p:txBody>
+      </p:sp>
+    </p:spTree>
+    <p:extLst>
+      <p:ext uri="{BB962C8B-B14F-4D97-AF65-F5344CB8AC3E}">
+        <p14:creationId xmlns:p14="http://schemas.microsoft.com/office/powerpoint/2010/main" val="660177879"/>
       </p:ext>
     </p:extLst>
   </p:cSld>

--- a/ACM/LeetCode/解题图示.pptx
+++ b/ACM/LeetCode/解题图示.pptx
@@ -5,11 +5,12 @@
     <p:sldMasterId id="2147483648" r:id="rId1"/>
   </p:sldMasterIdLst>
   <p:notesMasterIdLst>
-    <p:notesMasterId r:id="rId4"/>
+    <p:notesMasterId r:id="rId5"/>
   </p:notesMasterIdLst>
   <p:sldIdLst>
     <p:sldId id="256" r:id="rId2"/>
     <p:sldId id="257" r:id="rId3"/>
+    <p:sldId id="258" r:id="rId4"/>
   </p:sldIdLst>
   <p:sldSz cx="12192000" cy="6858000"/>
   <p:notesSz cx="6858000" cy="9144000"/>
@@ -198,7 +199,7 @@
           <a:p>
             <a:fld id="{1C0646E1-6F60-44B5-97A9-DBC3145D1F3F}" type="datetimeFigureOut">
               <a:rPr lang="zh-CN" altLang="en-US" smtClean="0"/>
-              <a:t>2020/6/27</a:t>
+              <a:t>2020/7/6</a:t>
             </a:fld>
             <a:endParaRPr lang="zh-CN" altLang="en-US"/>
           </a:p>
@@ -633,6 +634,90 @@
 </p:notes>
 </file>
 
+<file path=ppt/notesSlides/notesSlide3.xml><?xml version="1.0" encoding="utf-8"?>
+<p:notes xmlns:a="http://schemas.openxmlformats.org/drawingml/2006/main" xmlns:r="http://schemas.openxmlformats.org/officeDocument/2006/relationships" xmlns:p="http://schemas.openxmlformats.org/presentationml/2006/main">
+  <p:cSld>
+    <p:spTree>
+      <p:nvGrpSpPr>
+        <p:cNvPr id="1" name=""/>
+        <p:cNvGrpSpPr/>
+        <p:nvPr/>
+      </p:nvGrpSpPr>
+      <p:grpSpPr>
+        <a:xfrm>
+          <a:off x="0" y="0"/>
+          <a:ext cx="0" cy="0"/>
+          <a:chOff x="0" y="0"/>
+          <a:chExt cx="0" cy="0"/>
+        </a:xfrm>
+      </p:grpSpPr>
+      <p:sp>
+        <p:nvSpPr>
+          <p:cNvPr id="2" name="幻灯片图像占位符 1"/>
+          <p:cNvSpPr>
+            <a:spLocks noGrp="1" noRot="1" noChangeAspect="1"/>
+          </p:cNvSpPr>
+          <p:nvPr>
+            <p:ph type="sldImg"/>
+          </p:nvPr>
+        </p:nvSpPr>
+        <p:spPr/>
+      </p:sp>
+      <p:sp>
+        <p:nvSpPr>
+          <p:cNvPr id="3" name="备注占位符 2"/>
+          <p:cNvSpPr>
+            <a:spLocks noGrp="1"/>
+          </p:cNvSpPr>
+          <p:nvPr>
+            <p:ph type="body" idx="1"/>
+          </p:nvPr>
+        </p:nvSpPr>
+        <p:spPr/>
+        <p:txBody>
+          <a:bodyPr/>
+          <a:lstStyle/>
+          <a:p>
+            <a:endParaRPr lang="zh-CN" altLang="en-US" dirty="0"/>
+          </a:p>
+        </p:txBody>
+      </p:sp>
+      <p:sp>
+        <p:nvSpPr>
+          <p:cNvPr id="4" name="灯片编号占位符 3"/>
+          <p:cNvSpPr>
+            <a:spLocks noGrp="1"/>
+          </p:cNvSpPr>
+          <p:nvPr>
+            <p:ph type="sldNum" sz="quarter" idx="5"/>
+          </p:nvPr>
+        </p:nvSpPr>
+        <p:spPr/>
+        <p:txBody>
+          <a:bodyPr/>
+          <a:lstStyle/>
+          <a:p>
+            <a:fld id="{72591993-BF08-432C-A134-D61905505B8F}" type="slidenum">
+              <a:rPr lang="zh-CN" altLang="en-US" smtClean="0"/>
+              <a:t>3</a:t>
+            </a:fld>
+            <a:endParaRPr lang="zh-CN" altLang="en-US"/>
+          </a:p>
+        </p:txBody>
+      </p:sp>
+    </p:spTree>
+    <p:extLst>
+      <p:ext uri="{BB962C8B-B14F-4D97-AF65-F5344CB8AC3E}">
+        <p14:creationId xmlns:p14="http://schemas.microsoft.com/office/powerpoint/2010/main" val="4050379755"/>
+      </p:ext>
+    </p:extLst>
+  </p:cSld>
+  <p:clrMapOvr>
+    <a:masterClrMapping/>
+  </p:clrMapOvr>
+</p:notes>
+</file>
+
 <file path=ppt/slideLayouts/slideLayout1.xml><?xml version="1.0" encoding="utf-8"?>
 <p:sldLayout xmlns:a="http://schemas.openxmlformats.org/drawingml/2006/main" xmlns:r="http://schemas.openxmlformats.org/officeDocument/2006/relationships" xmlns:p="http://schemas.openxmlformats.org/presentationml/2006/main" type="title" preserve="1">
   <p:cSld name="标题幻灯片">
@@ -780,7 +865,7 @@
           <a:p>
             <a:fld id="{B2F85F7B-424A-4D46-B603-03320BA3592D}" type="datetimeFigureOut">
               <a:rPr lang="zh-CN" altLang="en-US" smtClean="0"/>
-              <a:t>2020/6/27</a:t>
+              <a:t>2020/7/6</a:t>
             </a:fld>
             <a:endParaRPr lang="zh-CN" altLang="en-US"/>
           </a:p>
@@ -978,7 +1063,7 @@
           <a:p>
             <a:fld id="{B2F85F7B-424A-4D46-B603-03320BA3592D}" type="datetimeFigureOut">
               <a:rPr lang="zh-CN" altLang="en-US" smtClean="0"/>
-              <a:t>2020/6/27</a:t>
+              <a:t>2020/7/6</a:t>
             </a:fld>
             <a:endParaRPr lang="zh-CN" altLang="en-US"/>
           </a:p>
@@ -1186,7 +1271,7 @@
           <a:p>
             <a:fld id="{B2F85F7B-424A-4D46-B603-03320BA3592D}" type="datetimeFigureOut">
               <a:rPr lang="zh-CN" altLang="en-US" smtClean="0"/>
-              <a:t>2020/6/27</a:t>
+              <a:t>2020/7/6</a:t>
             </a:fld>
             <a:endParaRPr lang="zh-CN" altLang="en-US"/>
           </a:p>
@@ -1384,7 +1469,7 @@
           <a:p>
             <a:fld id="{B2F85F7B-424A-4D46-B603-03320BA3592D}" type="datetimeFigureOut">
               <a:rPr lang="zh-CN" altLang="en-US" smtClean="0"/>
-              <a:t>2020/6/27</a:t>
+              <a:t>2020/7/6</a:t>
             </a:fld>
             <a:endParaRPr lang="zh-CN" altLang="en-US"/>
           </a:p>
@@ -1659,7 +1744,7 @@
           <a:p>
             <a:fld id="{B2F85F7B-424A-4D46-B603-03320BA3592D}" type="datetimeFigureOut">
               <a:rPr lang="zh-CN" altLang="en-US" smtClean="0"/>
-              <a:t>2020/6/27</a:t>
+              <a:t>2020/7/6</a:t>
             </a:fld>
             <a:endParaRPr lang="zh-CN" altLang="en-US"/>
           </a:p>
@@ -1924,7 +2009,7 @@
           <a:p>
             <a:fld id="{B2F85F7B-424A-4D46-B603-03320BA3592D}" type="datetimeFigureOut">
               <a:rPr lang="zh-CN" altLang="en-US" smtClean="0"/>
-              <a:t>2020/6/27</a:t>
+              <a:t>2020/7/6</a:t>
             </a:fld>
             <a:endParaRPr lang="zh-CN" altLang="en-US"/>
           </a:p>
@@ -2336,7 +2421,7 @@
           <a:p>
             <a:fld id="{B2F85F7B-424A-4D46-B603-03320BA3592D}" type="datetimeFigureOut">
               <a:rPr lang="zh-CN" altLang="en-US" smtClean="0"/>
-              <a:t>2020/6/27</a:t>
+              <a:t>2020/7/6</a:t>
             </a:fld>
             <a:endParaRPr lang="zh-CN" altLang="en-US"/>
           </a:p>
@@ -2477,7 +2562,7 @@
           <a:p>
             <a:fld id="{B2F85F7B-424A-4D46-B603-03320BA3592D}" type="datetimeFigureOut">
               <a:rPr lang="zh-CN" altLang="en-US" smtClean="0"/>
-              <a:t>2020/6/27</a:t>
+              <a:t>2020/7/6</a:t>
             </a:fld>
             <a:endParaRPr lang="zh-CN" altLang="en-US"/>
           </a:p>
@@ -2590,7 +2675,7 @@
           <a:p>
             <a:fld id="{B2F85F7B-424A-4D46-B603-03320BA3592D}" type="datetimeFigureOut">
               <a:rPr lang="zh-CN" altLang="en-US" smtClean="0"/>
-              <a:t>2020/6/27</a:t>
+              <a:t>2020/7/6</a:t>
             </a:fld>
             <a:endParaRPr lang="zh-CN" altLang="en-US"/>
           </a:p>
@@ -2901,7 +2986,7 @@
           <a:p>
             <a:fld id="{B2F85F7B-424A-4D46-B603-03320BA3592D}" type="datetimeFigureOut">
               <a:rPr lang="zh-CN" altLang="en-US" smtClean="0"/>
-              <a:t>2020/6/27</a:t>
+              <a:t>2020/7/6</a:t>
             </a:fld>
             <a:endParaRPr lang="zh-CN" altLang="en-US"/>
           </a:p>
@@ -3189,7 +3274,7 @@
           <a:p>
             <a:fld id="{B2F85F7B-424A-4D46-B603-03320BA3592D}" type="datetimeFigureOut">
               <a:rPr lang="zh-CN" altLang="en-US" smtClean="0"/>
-              <a:t>2020/6/27</a:t>
+              <a:t>2020/7/6</a:t>
             </a:fld>
             <a:endParaRPr lang="zh-CN" altLang="en-US"/>
           </a:p>
@@ -3430,7 +3515,7 @@
           <a:p>
             <a:fld id="{B2F85F7B-424A-4D46-B603-03320BA3592D}" type="datetimeFigureOut">
               <a:rPr lang="zh-CN" altLang="en-US" smtClean="0"/>
-              <a:t>2020/6/27</a:t>
+              <a:t>2020/7/6</a:t>
             </a:fld>
             <a:endParaRPr lang="zh-CN" altLang="en-US"/>
           </a:p>
@@ -6972,6 +7057,772 @@
     <p:extLst>
       <p:ext uri="{BB962C8B-B14F-4D97-AF65-F5344CB8AC3E}">
         <p14:creationId xmlns:p14="http://schemas.microsoft.com/office/powerpoint/2010/main" val="660177879"/>
+      </p:ext>
+    </p:extLst>
+  </p:cSld>
+  <p:clrMapOvr>
+    <a:masterClrMapping/>
+  </p:clrMapOvr>
+</p:sld>
+</file>
+
+<file path=ppt/slides/slide3.xml><?xml version="1.0" encoding="utf-8"?>
+<p:sld xmlns:a="http://schemas.openxmlformats.org/drawingml/2006/main" xmlns:r="http://schemas.openxmlformats.org/officeDocument/2006/relationships" xmlns:p="http://schemas.openxmlformats.org/presentationml/2006/main">
+  <p:cSld>
+    <p:bg>
+      <p:bgPr>
+        <a:blipFill>
+          <a:blip r:embed="rId3"/>
+          <a:tile tx="0" ty="0" sx="100000" sy="100000" flip="none" algn="tl"/>
+        </a:blipFill>
+        <a:effectLst/>
+      </p:bgPr>
+    </p:bg>
+    <p:spTree>
+      <p:nvGrpSpPr>
+        <p:cNvPr id="1" name=""/>
+        <p:cNvGrpSpPr/>
+        <p:nvPr/>
+      </p:nvGrpSpPr>
+      <p:grpSpPr>
+        <a:xfrm>
+          <a:off x="0" y="0"/>
+          <a:ext cx="0" cy="0"/>
+          <a:chOff x="0" y="0"/>
+          <a:chExt cx="0" cy="0"/>
+        </a:xfrm>
+      </p:grpSpPr>
+      <p:sp>
+        <p:nvSpPr>
+          <p:cNvPr id="71" name="文本框 70">
+            <a:extLst>
+              <a:ext uri="{FF2B5EF4-FFF2-40B4-BE49-F238E27FC236}">
+                <a16:creationId xmlns:a16="http://schemas.microsoft.com/office/drawing/2014/main" id="{06D3F958-4D76-4DB4-AFA9-880C5E421E21}"/>
+              </a:ext>
+            </a:extLst>
+          </p:cNvPr>
+          <p:cNvSpPr txBox="1"/>
+          <p:nvPr/>
+        </p:nvSpPr>
+        <p:spPr>
+          <a:xfrm>
+            <a:off x="5211604" y="3619443"/>
+            <a:ext cx="992579" cy="369332"/>
+          </a:xfrm>
+          <a:prstGeom prst="rect">
+            <a:avLst/>
+          </a:prstGeom>
+          <a:noFill/>
+        </p:spPr>
+        <p:txBody>
+          <a:bodyPr wrap="none" rtlCol="0">
+            <a:spAutoFit/>
+          </a:bodyPr>
+          <a:lstStyle/>
+          <a:p>
+            <a:r>
+              <a:rPr lang="en-US" altLang="zh-CN" dirty="0">
+                <a:latin typeface="liguofu" panose="02000600000000000000" pitchFamily="2" charset="-122"/>
+                <a:ea typeface="liguofu" panose="02000600000000000000" pitchFamily="2" charset="-122"/>
+                <a:cs typeface="liguofu" panose="02000600000000000000" pitchFamily="2" charset="-122"/>
+              </a:rPr>
+              <a:t>By </a:t>
+            </a:r>
+            <a:r>
+              <a:rPr lang="zh-CN" altLang="en-US" dirty="0">
+                <a:latin typeface="liguofu" panose="02000600000000000000" pitchFamily="2" charset="-122"/>
+                <a:ea typeface="liguofu" panose="02000600000000000000" pitchFamily="2" charset="-122"/>
+                <a:cs typeface="liguofu" panose="02000600000000000000" pitchFamily="2" charset="-122"/>
+              </a:rPr>
+              <a:t>红烛</a:t>
+            </a:r>
+          </a:p>
+        </p:txBody>
+      </p:sp>
+      <p:sp>
+        <p:nvSpPr>
+          <p:cNvPr id="6" name="文本框 5">
+            <a:extLst>
+              <a:ext uri="{FF2B5EF4-FFF2-40B4-BE49-F238E27FC236}">
+                <a16:creationId xmlns:a16="http://schemas.microsoft.com/office/drawing/2014/main" id="{2165EC14-26D3-48BA-8429-E74D5929D60C}"/>
+              </a:ext>
+            </a:extLst>
+          </p:cNvPr>
+          <p:cNvSpPr txBox="1"/>
+          <p:nvPr/>
+        </p:nvSpPr>
+        <p:spPr>
+          <a:xfrm>
+            <a:off x="3972072" y="2983037"/>
+            <a:ext cx="428018" cy="369332"/>
+          </a:xfrm>
+          <a:prstGeom prst="rect">
+            <a:avLst/>
+          </a:prstGeom>
+          <a:solidFill>
+            <a:schemeClr val="bg2"/>
+          </a:solidFill>
+          <a:ln>
+            <a:solidFill>
+              <a:srgbClr val="0070C0"/>
+            </a:solidFill>
+          </a:ln>
+        </p:spPr>
+        <p:txBody>
+          <a:bodyPr wrap="square" rtlCol="0">
+            <a:spAutoFit/>
+          </a:bodyPr>
+          <a:lstStyle/>
+          <a:p>
+            <a:pPr algn="ctr"/>
+            <a:r>
+              <a:rPr lang="en-US" altLang="zh-CN" dirty="0"/>
+              <a:t>1</a:t>
+            </a:r>
+            <a:endParaRPr lang="zh-CN" altLang="en-US" dirty="0"/>
+          </a:p>
+        </p:txBody>
+      </p:sp>
+      <p:sp>
+        <p:nvSpPr>
+          <p:cNvPr id="7" name="文本框 6">
+            <a:extLst>
+              <a:ext uri="{FF2B5EF4-FFF2-40B4-BE49-F238E27FC236}">
+                <a16:creationId xmlns:a16="http://schemas.microsoft.com/office/drawing/2014/main" id="{DBBB1AF0-785E-4642-B225-E1C4EE8861D3}"/>
+              </a:ext>
+            </a:extLst>
+          </p:cNvPr>
+          <p:cNvSpPr txBox="1"/>
+          <p:nvPr/>
+        </p:nvSpPr>
+        <p:spPr>
+          <a:xfrm>
+            <a:off x="4970779" y="2983037"/>
+            <a:ext cx="428018" cy="369332"/>
+          </a:xfrm>
+          <a:prstGeom prst="rect">
+            <a:avLst/>
+          </a:prstGeom>
+          <a:solidFill>
+            <a:schemeClr val="bg2"/>
+          </a:solidFill>
+          <a:ln>
+            <a:solidFill>
+              <a:srgbClr val="0070C0"/>
+            </a:solidFill>
+          </a:ln>
+        </p:spPr>
+        <p:txBody>
+          <a:bodyPr wrap="square" rtlCol="0">
+            <a:spAutoFit/>
+          </a:bodyPr>
+          <a:lstStyle/>
+          <a:p>
+            <a:pPr algn="ctr"/>
+            <a:r>
+              <a:rPr lang="en-US" altLang="zh-CN" dirty="0"/>
+              <a:t>1</a:t>
+            </a:r>
+            <a:endParaRPr lang="zh-CN" altLang="en-US" dirty="0"/>
+          </a:p>
+        </p:txBody>
+      </p:sp>
+      <p:sp>
+        <p:nvSpPr>
+          <p:cNvPr id="8" name="文本框 7">
+            <a:extLst>
+              <a:ext uri="{FF2B5EF4-FFF2-40B4-BE49-F238E27FC236}">
+                <a16:creationId xmlns:a16="http://schemas.microsoft.com/office/drawing/2014/main" id="{AD9141DD-CB16-4152-BB0F-ADAAD790AFBD}"/>
+              </a:ext>
+            </a:extLst>
+          </p:cNvPr>
+          <p:cNvSpPr txBox="1"/>
+          <p:nvPr/>
+        </p:nvSpPr>
+        <p:spPr>
+          <a:xfrm>
+            <a:off x="5969486" y="2983037"/>
+            <a:ext cx="428018" cy="369332"/>
+          </a:xfrm>
+          <a:prstGeom prst="rect">
+            <a:avLst/>
+          </a:prstGeom>
+          <a:solidFill>
+            <a:schemeClr val="bg2"/>
+          </a:solidFill>
+          <a:ln>
+            <a:solidFill>
+              <a:srgbClr val="0070C0"/>
+            </a:solidFill>
+          </a:ln>
+        </p:spPr>
+        <p:txBody>
+          <a:bodyPr wrap="square" rtlCol="0">
+            <a:spAutoFit/>
+          </a:bodyPr>
+          <a:lstStyle/>
+          <a:p>
+            <a:pPr algn="ctr"/>
+            <a:r>
+              <a:rPr lang="en-US" altLang="zh-CN" dirty="0"/>
+              <a:t>4</a:t>
+            </a:r>
+            <a:endParaRPr lang="zh-CN" altLang="en-US" dirty="0"/>
+          </a:p>
+        </p:txBody>
+      </p:sp>
+      <p:cxnSp>
+        <p:nvCxnSpPr>
+          <p:cNvPr id="9" name="直接连接符 8">
+            <a:extLst>
+              <a:ext uri="{FF2B5EF4-FFF2-40B4-BE49-F238E27FC236}">
+                <a16:creationId xmlns:a16="http://schemas.microsoft.com/office/drawing/2014/main" id="{8A29B90B-906E-4672-A1AA-D810BDCD353D}"/>
+              </a:ext>
+            </a:extLst>
+          </p:cNvPr>
+          <p:cNvCxnSpPr>
+            <a:stCxn id="6" idx="3"/>
+            <a:endCxn id="7" idx="1"/>
+          </p:cNvCxnSpPr>
+          <p:nvPr/>
+        </p:nvCxnSpPr>
+        <p:spPr>
+          <a:xfrm>
+            <a:off x="4400090" y="3167703"/>
+            <a:ext cx="570689" cy="0"/>
+          </a:xfrm>
+          <a:prstGeom prst="line">
+            <a:avLst/>
+          </a:prstGeom>
+          <a:ln w="9525" cap="flat" cmpd="sng" algn="ctr">
+            <a:solidFill>
+              <a:schemeClr val="dk1"/>
+            </a:solidFill>
+            <a:prstDash val="solid"/>
+            <a:round/>
+            <a:headEnd type="none" w="med" len="med"/>
+            <a:tailEnd type="arrow" w="med" len="med"/>
+          </a:ln>
+        </p:spPr>
+        <p:style>
+          <a:lnRef idx="0">
+            <a:scrgbClr r="0" g="0" b="0"/>
+          </a:lnRef>
+          <a:fillRef idx="0">
+            <a:scrgbClr r="0" g="0" b="0"/>
+          </a:fillRef>
+          <a:effectRef idx="0">
+            <a:scrgbClr r="0" g="0" b="0"/>
+          </a:effectRef>
+          <a:fontRef idx="minor">
+            <a:schemeClr val="tx1"/>
+          </a:fontRef>
+        </p:style>
+      </p:cxnSp>
+      <p:cxnSp>
+        <p:nvCxnSpPr>
+          <p:cNvPr id="10" name="直接连接符 9">
+            <a:extLst>
+              <a:ext uri="{FF2B5EF4-FFF2-40B4-BE49-F238E27FC236}">
+                <a16:creationId xmlns:a16="http://schemas.microsoft.com/office/drawing/2014/main" id="{799A75A7-C32F-4293-B357-2323E321B8F8}"/>
+              </a:ext>
+            </a:extLst>
+          </p:cNvPr>
+          <p:cNvCxnSpPr>
+            <a:cxnSpLocks/>
+          </p:cNvCxnSpPr>
+          <p:nvPr/>
+        </p:nvCxnSpPr>
+        <p:spPr>
+          <a:xfrm>
+            <a:off x="5398795" y="3167703"/>
+            <a:ext cx="570691" cy="0"/>
+          </a:xfrm>
+          <a:prstGeom prst="line">
+            <a:avLst/>
+          </a:prstGeom>
+          <a:ln w="9525" cap="flat" cmpd="sng" algn="ctr">
+            <a:solidFill>
+              <a:schemeClr val="dk1"/>
+            </a:solidFill>
+            <a:prstDash val="solid"/>
+            <a:round/>
+            <a:headEnd type="none" w="med" len="med"/>
+            <a:tailEnd type="arrow" w="med" len="med"/>
+          </a:ln>
+        </p:spPr>
+        <p:style>
+          <a:lnRef idx="0">
+            <a:scrgbClr r="0" g="0" b="0"/>
+          </a:lnRef>
+          <a:fillRef idx="0">
+            <a:scrgbClr r="0" g="0" b="0"/>
+          </a:fillRef>
+          <a:effectRef idx="0">
+            <a:scrgbClr r="0" g="0" b="0"/>
+          </a:effectRef>
+          <a:fontRef idx="minor">
+            <a:schemeClr val="tx1"/>
+          </a:fontRef>
+        </p:style>
+      </p:cxnSp>
+      <p:sp>
+        <p:nvSpPr>
+          <p:cNvPr id="11" name="文本框 10">
+            <a:extLst>
+              <a:ext uri="{FF2B5EF4-FFF2-40B4-BE49-F238E27FC236}">
+                <a16:creationId xmlns:a16="http://schemas.microsoft.com/office/drawing/2014/main" id="{35602BFE-1481-436C-AED0-30F7A50CBF8D}"/>
+              </a:ext>
+            </a:extLst>
+          </p:cNvPr>
+          <p:cNvSpPr txBox="1"/>
+          <p:nvPr/>
+        </p:nvSpPr>
+        <p:spPr>
+          <a:xfrm>
+            <a:off x="6968193" y="2983037"/>
+            <a:ext cx="428018" cy="369332"/>
+          </a:xfrm>
+          <a:prstGeom prst="rect">
+            <a:avLst/>
+          </a:prstGeom>
+          <a:solidFill>
+            <a:schemeClr val="bg2"/>
+          </a:solidFill>
+          <a:ln>
+            <a:solidFill>
+              <a:srgbClr val="0070C0"/>
+            </a:solidFill>
+          </a:ln>
+        </p:spPr>
+        <p:txBody>
+          <a:bodyPr wrap="square" rtlCol="0">
+            <a:spAutoFit/>
+          </a:bodyPr>
+          <a:lstStyle/>
+          <a:p>
+            <a:pPr algn="ctr"/>
+            <a:r>
+              <a:rPr lang="en-US" altLang="zh-CN" dirty="0"/>
+              <a:t>6</a:t>
+            </a:r>
+            <a:endParaRPr lang="zh-CN" altLang="en-US" dirty="0"/>
+          </a:p>
+        </p:txBody>
+      </p:sp>
+      <p:cxnSp>
+        <p:nvCxnSpPr>
+          <p:cNvPr id="12" name="直接连接符 11">
+            <a:extLst>
+              <a:ext uri="{FF2B5EF4-FFF2-40B4-BE49-F238E27FC236}">
+                <a16:creationId xmlns:a16="http://schemas.microsoft.com/office/drawing/2014/main" id="{28B1A678-5B28-4055-B4D4-B2A6B283DA3B}"/>
+              </a:ext>
+            </a:extLst>
+          </p:cNvPr>
+          <p:cNvCxnSpPr>
+            <a:cxnSpLocks/>
+          </p:cNvCxnSpPr>
+          <p:nvPr/>
+        </p:nvCxnSpPr>
+        <p:spPr>
+          <a:xfrm>
+            <a:off x="6397502" y="3174029"/>
+            <a:ext cx="570691" cy="0"/>
+          </a:xfrm>
+          <a:prstGeom prst="line">
+            <a:avLst/>
+          </a:prstGeom>
+          <a:ln w="9525" cap="flat" cmpd="sng" algn="ctr">
+            <a:solidFill>
+              <a:schemeClr val="dk1"/>
+            </a:solidFill>
+            <a:prstDash val="solid"/>
+            <a:round/>
+            <a:headEnd type="none" w="med" len="med"/>
+            <a:tailEnd type="arrow" w="med" len="med"/>
+          </a:ln>
+        </p:spPr>
+        <p:style>
+          <a:lnRef idx="0">
+            <a:scrgbClr r="0" g="0" b="0"/>
+          </a:lnRef>
+          <a:fillRef idx="0">
+            <a:scrgbClr r="0" g="0" b="0"/>
+          </a:fillRef>
+          <a:effectRef idx="0">
+            <a:scrgbClr r="0" g="0" b="0"/>
+          </a:effectRef>
+          <a:fontRef idx="minor">
+            <a:schemeClr val="tx1"/>
+          </a:fontRef>
+        </p:style>
+      </p:cxnSp>
+      <p:sp>
+        <p:nvSpPr>
+          <p:cNvPr id="3" name="矩形 2">
+            <a:extLst>
+              <a:ext uri="{FF2B5EF4-FFF2-40B4-BE49-F238E27FC236}">
+                <a16:creationId xmlns:a16="http://schemas.microsoft.com/office/drawing/2014/main" id="{E50D8B79-7582-4C2D-8173-1E1DC1589A0E}"/>
+              </a:ext>
+            </a:extLst>
+          </p:cNvPr>
+          <p:cNvSpPr/>
+          <p:nvPr/>
+        </p:nvSpPr>
+        <p:spPr>
+          <a:xfrm>
+            <a:off x="3972072" y="1659822"/>
+            <a:ext cx="3536559" cy="1945024"/>
+          </a:xfrm>
+          <a:prstGeom prst="rect">
+            <a:avLst/>
+          </a:prstGeom>
+          <a:noFill/>
+          <a:ln>
+            <a:solidFill>
+              <a:srgbClr val="C00000"/>
+            </a:solidFill>
+          </a:ln>
+        </p:spPr>
+        <p:style>
+          <a:lnRef idx="2">
+            <a:schemeClr val="accent1">
+              <a:shade val="50000"/>
+            </a:schemeClr>
+          </a:lnRef>
+          <a:fillRef idx="1">
+            <a:schemeClr val="accent1"/>
+          </a:fillRef>
+          <a:effectRef idx="0">
+            <a:schemeClr val="accent1"/>
+          </a:effectRef>
+          <a:fontRef idx="minor">
+            <a:schemeClr val="lt1"/>
+          </a:fontRef>
+        </p:style>
+        <p:txBody>
+          <a:bodyPr rtlCol="0" anchor="ctr"/>
+          <a:lstStyle/>
+          <a:p>
+            <a:pPr algn="ctr"/>
+            <a:endParaRPr lang="zh-CN" altLang="en-US"/>
+          </a:p>
+        </p:txBody>
+      </p:sp>
+      <p:sp>
+        <p:nvSpPr>
+          <p:cNvPr id="4" name="矩形 3">
+            <a:extLst>
+              <a:ext uri="{FF2B5EF4-FFF2-40B4-BE49-F238E27FC236}">
+                <a16:creationId xmlns:a16="http://schemas.microsoft.com/office/drawing/2014/main" id="{6EE52CB3-296A-4F3D-90C5-B2C6A41008A7}"/>
+              </a:ext>
+            </a:extLst>
+          </p:cNvPr>
+          <p:cNvSpPr/>
+          <p:nvPr/>
+        </p:nvSpPr>
+        <p:spPr>
+          <a:xfrm>
+            <a:off x="4844562" y="2101362"/>
+            <a:ext cx="2664069" cy="1503483"/>
+          </a:xfrm>
+          <a:prstGeom prst="rect">
+            <a:avLst/>
+          </a:prstGeom>
+          <a:noFill/>
+          <a:ln>
+            <a:solidFill>
+              <a:schemeClr val="tx1"/>
+            </a:solidFill>
+          </a:ln>
+        </p:spPr>
+        <p:style>
+          <a:lnRef idx="2">
+            <a:schemeClr val="accent1">
+              <a:shade val="50000"/>
+            </a:schemeClr>
+          </a:lnRef>
+          <a:fillRef idx="1">
+            <a:schemeClr val="accent1"/>
+          </a:fillRef>
+          <a:effectRef idx="0">
+            <a:schemeClr val="accent1"/>
+          </a:effectRef>
+          <a:fontRef idx="minor">
+            <a:schemeClr val="lt1"/>
+          </a:fontRef>
+        </p:style>
+        <p:txBody>
+          <a:bodyPr rtlCol="0" anchor="ctr"/>
+          <a:lstStyle/>
+          <a:p>
+            <a:pPr algn="ctr"/>
+            <a:endParaRPr lang="zh-CN" altLang="en-US"/>
+          </a:p>
+        </p:txBody>
+      </p:sp>
+      <p:sp>
+        <p:nvSpPr>
+          <p:cNvPr id="15" name="矩形 14">
+            <a:extLst>
+              <a:ext uri="{FF2B5EF4-FFF2-40B4-BE49-F238E27FC236}">
+                <a16:creationId xmlns:a16="http://schemas.microsoft.com/office/drawing/2014/main" id="{7E82378B-1111-4AEA-8EA2-521395857EFB}"/>
+              </a:ext>
+            </a:extLst>
+          </p:cNvPr>
+          <p:cNvSpPr/>
+          <p:nvPr/>
+        </p:nvSpPr>
+        <p:spPr>
+          <a:xfrm>
+            <a:off x="5843269" y="2485292"/>
+            <a:ext cx="1665362" cy="1119553"/>
+          </a:xfrm>
+          <a:prstGeom prst="rect">
+            <a:avLst/>
+          </a:prstGeom>
+          <a:noFill/>
+          <a:ln>
+            <a:solidFill>
+              <a:schemeClr val="accent2">
+                <a:lumMod val="75000"/>
+              </a:schemeClr>
+            </a:solidFill>
+          </a:ln>
+        </p:spPr>
+        <p:style>
+          <a:lnRef idx="2">
+            <a:schemeClr val="accent1">
+              <a:shade val="50000"/>
+            </a:schemeClr>
+          </a:lnRef>
+          <a:fillRef idx="1">
+            <a:schemeClr val="accent1"/>
+          </a:fillRef>
+          <a:effectRef idx="0">
+            <a:schemeClr val="accent1"/>
+          </a:effectRef>
+          <a:fontRef idx="minor">
+            <a:schemeClr val="lt1"/>
+          </a:fontRef>
+        </p:style>
+        <p:txBody>
+          <a:bodyPr rtlCol="0" anchor="ctr"/>
+          <a:lstStyle/>
+          <a:p>
+            <a:pPr algn="ctr"/>
+            <a:endParaRPr lang="zh-CN" altLang="en-US"/>
+          </a:p>
+        </p:txBody>
+      </p:sp>
+      <p:sp>
+        <p:nvSpPr>
+          <p:cNvPr id="13" name="文本框 12">
+            <a:extLst>
+              <a:ext uri="{FF2B5EF4-FFF2-40B4-BE49-F238E27FC236}">
+                <a16:creationId xmlns:a16="http://schemas.microsoft.com/office/drawing/2014/main" id="{F337CE8A-AC6F-4534-8C5D-EF1A8BFCFC94}"/>
+              </a:ext>
+            </a:extLst>
+          </p:cNvPr>
+          <p:cNvSpPr txBox="1"/>
+          <p:nvPr/>
+        </p:nvSpPr>
+        <p:spPr>
+          <a:xfrm>
+            <a:off x="3632876" y="1143000"/>
+            <a:ext cx="678391" cy="369332"/>
+          </a:xfrm>
+          <a:prstGeom prst="rect">
+            <a:avLst/>
+          </a:prstGeom>
+          <a:noFill/>
+        </p:spPr>
+        <p:txBody>
+          <a:bodyPr wrap="none" rtlCol="0">
+            <a:spAutoFit/>
+          </a:bodyPr>
+          <a:lstStyle/>
+          <a:p>
+            <a:r>
+              <a:rPr lang="en-US" altLang="zh-CN" dirty="0">
+                <a:solidFill>
+                  <a:srgbClr val="FF0000"/>
+                </a:solidFill>
+              </a:rPr>
+              <a:t>head</a:t>
+            </a:r>
+            <a:endParaRPr lang="zh-CN" altLang="en-US" dirty="0">
+              <a:solidFill>
+                <a:srgbClr val="FF0000"/>
+              </a:solidFill>
+            </a:endParaRPr>
+          </a:p>
+        </p:txBody>
+      </p:sp>
+      <p:sp>
+        <p:nvSpPr>
+          <p:cNvPr id="18" name="文本框 17">
+            <a:extLst>
+              <a:ext uri="{FF2B5EF4-FFF2-40B4-BE49-F238E27FC236}">
+                <a16:creationId xmlns:a16="http://schemas.microsoft.com/office/drawing/2014/main" id="{5166EF30-B5E1-4E33-9A10-B2A261942459}"/>
+              </a:ext>
+            </a:extLst>
+          </p:cNvPr>
+          <p:cNvSpPr txBox="1"/>
+          <p:nvPr/>
+        </p:nvSpPr>
+        <p:spPr>
+          <a:xfrm>
+            <a:off x="4329170" y="1143000"/>
+            <a:ext cx="1149674" cy="369332"/>
+          </a:xfrm>
+          <a:prstGeom prst="rect">
+            <a:avLst/>
+          </a:prstGeom>
+          <a:noFill/>
+        </p:spPr>
+        <p:txBody>
+          <a:bodyPr wrap="none" rtlCol="0">
+            <a:spAutoFit/>
+          </a:bodyPr>
+          <a:lstStyle/>
+          <a:p>
+            <a:r>
+              <a:rPr lang="en-US" altLang="zh-CN" dirty="0" err="1">
+                <a:solidFill>
+                  <a:srgbClr val="FF0000"/>
+                </a:solidFill>
+              </a:rPr>
+              <a:t>head.next</a:t>
+            </a:r>
+            <a:endParaRPr lang="zh-CN" altLang="en-US" dirty="0">
+              <a:solidFill>
+                <a:srgbClr val="FF0000"/>
+              </a:solidFill>
+            </a:endParaRPr>
+          </a:p>
+        </p:txBody>
+      </p:sp>
+      <p:sp>
+        <p:nvSpPr>
+          <p:cNvPr id="19" name="文本框 18">
+            <a:extLst>
+              <a:ext uri="{FF2B5EF4-FFF2-40B4-BE49-F238E27FC236}">
+                <a16:creationId xmlns:a16="http://schemas.microsoft.com/office/drawing/2014/main" id="{70F20270-5929-4F1D-B4CD-F6355388C767}"/>
+              </a:ext>
+            </a:extLst>
+          </p:cNvPr>
+          <p:cNvSpPr txBox="1"/>
+          <p:nvPr/>
+        </p:nvSpPr>
+        <p:spPr>
+          <a:xfrm>
+            <a:off x="4564811" y="1769206"/>
+            <a:ext cx="678391" cy="369332"/>
+          </a:xfrm>
+          <a:prstGeom prst="rect">
+            <a:avLst/>
+          </a:prstGeom>
+          <a:noFill/>
+        </p:spPr>
+        <p:txBody>
+          <a:bodyPr wrap="none" rtlCol="0">
+            <a:spAutoFit/>
+          </a:bodyPr>
+          <a:lstStyle/>
+          <a:p>
+            <a:r>
+              <a:rPr lang="en-US" altLang="zh-CN" dirty="0"/>
+              <a:t>head</a:t>
+            </a:r>
+            <a:endParaRPr lang="zh-CN" altLang="en-US" dirty="0"/>
+          </a:p>
+        </p:txBody>
+      </p:sp>
+      <p:sp>
+        <p:nvSpPr>
+          <p:cNvPr id="20" name="文本框 19">
+            <a:extLst>
+              <a:ext uri="{FF2B5EF4-FFF2-40B4-BE49-F238E27FC236}">
+                <a16:creationId xmlns:a16="http://schemas.microsoft.com/office/drawing/2014/main" id="{56814857-001B-4FA2-ABA3-B53F5BC5018A}"/>
+              </a:ext>
+            </a:extLst>
+          </p:cNvPr>
+          <p:cNvSpPr txBox="1"/>
+          <p:nvPr/>
+        </p:nvSpPr>
+        <p:spPr>
+          <a:xfrm>
+            <a:off x="5376634" y="1750618"/>
+            <a:ext cx="1149674" cy="369332"/>
+          </a:xfrm>
+          <a:prstGeom prst="rect">
+            <a:avLst/>
+          </a:prstGeom>
+          <a:noFill/>
+        </p:spPr>
+        <p:txBody>
+          <a:bodyPr wrap="none" rtlCol="0">
+            <a:spAutoFit/>
+          </a:bodyPr>
+          <a:lstStyle/>
+          <a:p>
+            <a:r>
+              <a:rPr lang="en-US" altLang="zh-CN" dirty="0" err="1"/>
+              <a:t>head.next</a:t>
+            </a:r>
+            <a:endParaRPr lang="zh-CN" altLang="en-US" dirty="0"/>
+          </a:p>
+        </p:txBody>
+      </p:sp>
+      <p:sp>
+        <p:nvSpPr>
+          <p:cNvPr id="21" name="文本框 20">
+            <a:extLst>
+              <a:ext uri="{FF2B5EF4-FFF2-40B4-BE49-F238E27FC236}">
+                <a16:creationId xmlns:a16="http://schemas.microsoft.com/office/drawing/2014/main" id="{E8C7EF2D-61AE-401B-BAA5-D8E7774C3ECB}"/>
+              </a:ext>
+            </a:extLst>
+          </p:cNvPr>
+          <p:cNvSpPr txBox="1"/>
+          <p:nvPr/>
+        </p:nvSpPr>
+        <p:spPr>
+          <a:xfrm>
+            <a:off x="5525792" y="2182161"/>
+            <a:ext cx="678391" cy="369332"/>
+          </a:xfrm>
+          <a:prstGeom prst="rect">
+            <a:avLst/>
+          </a:prstGeom>
+          <a:noFill/>
+        </p:spPr>
+        <p:txBody>
+          <a:bodyPr wrap="square" rtlCol="0">
+            <a:spAutoFit/>
+          </a:bodyPr>
+          <a:lstStyle/>
+          <a:p>
+            <a:r>
+              <a:rPr lang="en-US" altLang="zh-CN" dirty="0">
+                <a:solidFill>
+                  <a:schemeClr val="accent2"/>
+                </a:solidFill>
+              </a:rPr>
+              <a:t>head</a:t>
+            </a:r>
+            <a:endParaRPr lang="zh-CN" altLang="en-US" dirty="0">
+              <a:solidFill>
+                <a:schemeClr val="accent2"/>
+              </a:solidFill>
+            </a:endParaRPr>
+          </a:p>
+        </p:txBody>
+      </p:sp>
+    </p:spTree>
+    <p:extLst>
+      <p:ext uri="{BB962C8B-B14F-4D97-AF65-F5344CB8AC3E}">
+        <p14:creationId xmlns:p14="http://schemas.microsoft.com/office/powerpoint/2010/main" val="3404634088"/>
       </p:ext>
     </p:extLst>
   </p:cSld>

--- a/ACM/LeetCode/解题图示.pptx
+++ b/ACM/LeetCode/解题图示.pptx
@@ -5,12 +5,14 @@
     <p:sldMasterId id="2147483648" r:id="rId1"/>
   </p:sldMasterIdLst>
   <p:notesMasterIdLst>
-    <p:notesMasterId r:id="rId5"/>
+    <p:notesMasterId r:id="rId7"/>
   </p:notesMasterIdLst>
   <p:sldIdLst>
     <p:sldId id="256" r:id="rId2"/>
     <p:sldId id="257" r:id="rId3"/>
     <p:sldId id="258" r:id="rId4"/>
+    <p:sldId id="259" r:id="rId5"/>
+    <p:sldId id="260" r:id="rId6"/>
   </p:sldIdLst>
   <p:sldSz cx="12192000" cy="6858000"/>
   <p:notesSz cx="6858000" cy="9144000"/>
@@ -199,7 +201,7 @@
           <a:p>
             <a:fld id="{1C0646E1-6F60-44B5-97A9-DBC3145D1F3F}" type="datetimeFigureOut">
               <a:rPr lang="zh-CN" altLang="en-US" smtClean="0"/>
-              <a:t>2020/7/6</a:t>
+              <a:t>2020/7/9</a:t>
             </a:fld>
             <a:endParaRPr lang="zh-CN" altLang="en-US"/>
           </a:p>
@@ -718,6 +720,174 @@
 </p:notes>
 </file>
 
+<file path=ppt/notesSlides/notesSlide4.xml><?xml version="1.0" encoding="utf-8"?>
+<p:notes xmlns:a="http://schemas.openxmlformats.org/drawingml/2006/main" xmlns:r="http://schemas.openxmlformats.org/officeDocument/2006/relationships" xmlns:p="http://schemas.openxmlformats.org/presentationml/2006/main">
+  <p:cSld>
+    <p:spTree>
+      <p:nvGrpSpPr>
+        <p:cNvPr id="1" name=""/>
+        <p:cNvGrpSpPr/>
+        <p:nvPr/>
+      </p:nvGrpSpPr>
+      <p:grpSpPr>
+        <a:xfrm>
+          <a:off x="0" y="0"/>
+          <a:ext cx="0" cy="0"/>
+          <a:chOff x="0" y="0"/>
+          <a:chExt cx="0" cy="0"/>
+        </a:xfrm>
+      </p:grpSpPr>
+      <p:sp>
+        <p:nvSpPr>
+          <p:cNvPr id="2" name="幻灯片图像占位符 1"/>
+          <p:cNvSpPr>
+            <a:spLocks noGrp="1" noRot="1" noChangeAspect="1"/>
+          </p:cNvSpPr>
+          <p:nvPr>
+            <p:ph type="sldImg"/>
+          </p:nvPr>
+        </p:nvSpPr>
+        <p:spPr/>
+      </p:sp>
+      <p:sp>
+        <p:nvSpPr>
+          <p:cNvPr id="3" name="备注占位符 2"/>
+          <p:cNvSpPr>
+            <a:spLocks noGrp="1"/>
+          </p:cNvSpPr>
+          <p:nvPr>
+            <p:ph type="body" idx="1"/>
+          </p:nvPr>
+        </p:nvSpPr>
+        <p:spPr/>
+        <p:txBody>
+          <a:bodyPr/>
+          <a:lstStyle/>
+          <a:p>
+            <a:endParaRPr lang="zh-CN" altLang="en-US" dirty="0"/>
+          </a:p>
+        </p:txBody>
+      </p:sp>
+      <p:sp>
+        <p:nvSpPr>
+          <p:cNvPr id="4" name="灯片编号占位符 3"/>
+          <p:cNvSpPr>
+            <a:spLocks noGrp="1"/>
+          </p:cNvSpPr>
+          <p:nvPr>
+            <p:ph type="sldNum" sz="quarter" idx="5"/>
+          </p:nvPr>
+        </p:nvSpPr>
+        <p:spPr/>
+        <p:txBody>
+          <a:bodyPr/>
+          <a:lstStyle/>
+          <a:p>
+            <a:fld id="{72591993-BF08-432C-A134-D61905505B8F}" type="slidenum">
+              <a:rPr lang="zh-CN" altLang="en-US" smtClean="0"/>
+              <a:t>4</a:t>
+            </a:fld>
+            <a:endParaRPr lang="zh-CN" altLang="en-US"/>
+          </a:p>
+        </p:txBody>
+      </p:sp>
+    </p:spTree>
+    <p:extLst>
+      <p:ext uri="{BB962C8B-B14F-4D97-AF65-F5344CB8AC3E}">
+        <p14:creationId xmlns:p14="http://schemas.microsoft.com/office/powerpoint/2010/main" val="2433435760"/>
+      </p:ext>
+    </p:extLst>
+  </p:cSld>
+  <p:clrMapOvr>
+    <a:masterClrMapping/>
+  </p:clrMapOvr>
+</p:notes>
+</file>
+
+<file path=ppt/notesSlides/notesSlide5.xml><?xml version="1.0" encoding="utf-8"?>
+<p:notes xmlns:a="http://schemas.openxmlformats.org/drawingml/2006/main" xmlns:r="http://schemas.openxmlformats.org/officeDocument/2006/relationships" xmlns:p="http://schemas.openxmlformats.org/presentationml/2006/main">
+  <p:cSld>
+    <p:spTree>
+      <p:nvGrpSpPr>
+        <p:cNvPr id="1" name=""/>
+        <p:cNvGrpSpPr/>
+        <p:nvPr/>
+      </p:nvGrpSpPr>
+      <p:grpSpPr>
+        <a:xfrm>
+          <a:off x="0" y="0"/>
+          <a:ext cx="0" cy="0"/>
+          <a:chOff x="0" y="0"/>
+          <a:chExt cx="0" cy="0"/>
+        </a:xfrm>
+      </p:grpSpPr>
+      <p:sp>
+        <p:nvSpPr>
+          <p:cNvPr id="2" name="幻灯片图像占位符 1"/>
+          <p:cNvSpPr>
+            <a:spLocks noGrp="1" noRot="1" noChangeAspect="1"/>
+          </p:cNvSpPr>
+          <p:nvPr>
+            <p:ph type="sldImg"/>
+          </p:nvPr>
+        </p:nvSpPr>
+        <p:spPr/>
+      </p:sp>
+      <p:sp>
+        <p:nvSpPr>
+          <p:cNvPr id="3" name="备注占位符 2"/>
+          <p:cNvSpPr>
+            <a:spLocks noGrp="1"/>
+          </p:cNvSpPr>
+          <p:nvPr>
+            <p:ph type="body" idx="1"/>
+          </p:nvPr>
+        </p:nvSpPr>
+        <p:spPr/>
+        <p:txBody>
+          <a:bodyPr/>
+          <a:lstStyle/>
+          <a:p>
+            <a:endParaRPr lang="zh-CN" altLang="en-US" dirty="0"/>
+          </a:p>
+        </p:txBody>
+      </p:sp>
+      <p:sp>
+        <p:nvSpPr>
+          <p:cNvPr id="4" name="灯片编号占位符 3"/>
+          <p:cNvSpPr>
+            <a:spLocks noGrp="1"/>
+          </p:cNvSpPr>
+          <p:nvPr>
+            <p:ph type="sldNum" sz="quarter" idx="5"/>
+          </p:nvPr>
+        </p:nvSpPr>
+        <p:spPr/>
+        <p:txBody>
+          <a:bodyPr/>
+          <a:lstStyle/>
+          <a:p>
+            <a:fld id="{72591993-BF08-432C-A134-D61905505B8F}" type="slidenum">
+              <a:rPr lang="zh-CN" altLang="en-US" smtClean="0"/>
+              <a:t>5</a:t>
+            </a:fld>
+            <a:endParaRPr lang="zh-CN" altLang="en-US"/>
+          </a:p>
+        </p:txBody>
+      </p:sp>
+    </p:spTree>
+    <p:extLst>
+      <p:ext uri="{BB962C8B-B14F-4D97-AF65-F5344CB8AC3E}">
+        <p14:creationId xmlns:p14="http://schemas.microsoft.com/office/powerpoint/2010/main" val="4239634400"/>
+      </p:ext>
+    </p:extLst>
+  </p:cSld>
+  <p:clrMapOvr>
+    <a:masterClrMapping/>
+  </p:clrMapOvr>
+</p:notes>
+</file>
+
 <file path=ppt/slideLayouts/slideLayout1.xml><?xml version="1.0" encoding="utf-8"?>
 <p:sldLayout xmlns:a="http://schemas.openxmlformats.org/drawingml/2006/main" xmlns:r="http://schemas.openxmlformats.org/officeDocument/2006/relationships" xmlns:p="http://schemas.openxmlformats.org/presentationml/2006/main" type="title" preserve="1">
   <p:cSld name="标题幻灯片">
@@ -865,7 +1035,7 @@
           <a:p>
             <a:fld id="{B2F85F7B-424A-4D46-B603-03320BA3592D}" type="datetimeFigureOut">
               <a:rPr lang="zh-CN" altLang="en-US" smtClean="0"/>
-              <a:t>2020/7/6</a:t>
+              <a:t>2020/7/9</a:t>
             </a:fld>
             <a:endParaRPr lang="zh-CN" altLang="en-US"/>
           </a:p>
@@ -1063,7 +1233,7 @@
           <a:p>
             <a:fld id="{B2F85F7B-424A-4D46-B603-03320BA3592D}" type="datetimeFigureOut">
               <a:rPr lang="zh-CN" altLang="en-US" smtClean="0"/>
-              <a:t>2020/7/6</a:t>
+              <a:t>2020/7/9</a:t>
             </a:fld>
             <a:endParaRPr lang="zh-CN" altLang="en-US"/>
           </a:p>
@@ -1271,7 +1441,7 @@
           <a:p>
             <a:fld id="{B2F85F7B-424A-4D46-B603-03320BA3592D}" type="datetimeFigureOut">
               <a:rPr lang="zh-CN" altLang="en-US" smtClean="0"/>
-              <a:t>2020/7/6</a:t>
+              <a:t>2020/7/9</a:t>
             </a:fld>
             <a:endParaRPr lang="zh-CN" altLang="en-US"/>
           </a:p>
@@ -1469,7 +1639,7 @@
           <a:p>
             <a:fld id="{B2F85F7B-424A-4D46-B603-03320BA3592D}" type="datetimeFigureOut">
               <a:rPr lang="zh-CN" altLang="en-US" smtClean="0"/>
-              <a:t>2020/7/6</a:t>
+              <a:t>2020/7/9</a:t>
             </a:fld>
             <a:endParaRPr lang="zh-CN" altLang="en-US"/>
           </a:p>
@@ -1744,7 +1914,7 @@
           <a:p>
             <a:fld id="{B2F85F7B-424A-4D46-B603-03320BA3592D}" type="datetimeFigureOut">
               <a:rPr lang="zh-CN" altLang="en-US" smtClean="0"/>
-              <a:t>2020/7/6</a:t>
+              <a:t>2020/7/9</a:t>
             </a:fld>
             <a:endParaRPr lang="zh-CN" altLang="en-US"/>
           </a:p>
@@ -2009,7 +2179,7 @@
           <a:p>
             <a:fld id="{B2F85F7B-424A-4D46-B603-03320BA3592D}" type="datetimeFigureOut">
               <a:rPr lang="zh-CN" altLang="en-US" smtClean="0"/>
-              <a:t>2020/7/6</a:t>
+              <a:t>2020/7/9</a:t>
             </a:fld>
             <a:endParaRPr lang="zh-CN" altLang="en-US"/>
           </a:p>
@@ -2421,7 +2591,7 @@
           <a:p>
             <a:fld id="{B2F85F7B-424A-4D46-B603-03320BA3592D}" type="datetimeFigureOut">
               <a:rPr lang="zh-CN" altLang="en-US" smtClean="0"/>
-              <a:t>2020/7/6</a:t>
+              <a:t>2020/7/9</a:t>
             </a:fld>
             <a:endParaRPr lang="zh-CN" altLang="en-US"/>
           </a:p>
@@ -2562,7 +2732,7 @@
           <a:p>
             <a:fld id="{B2F85F7B-424A-4D46-B603-03320BA3592D}" type="datetimeFigureOut">
               <a:rPr lang="zh-CN" altLang="en-US" smtClean="0"/>
-              <a:t>2020/7/6</a:t>
+              <a:t>2020/7/9</a:t>
             </a:fld>
             <a:endParaRPr lang="zh-CN" altLang="en-US"/>
           </a:p>
@@ -2675,7 +2845,7 @@
           <a:p>
             <a:fld id="{B2F85F7B-424A-4D46-B603-03320BA3592D}" type="datetimeFigureOut">
               <a:rPr lang="zh-CN" altLang="en-US" smtClean="0"/>
-              <a:t>2020/7/6</a:t>
+              <a:t>2020/7/9</a:t>
             </a:fld>
             <a:endParaRPr lang="zh-CN" altLang="en-US"/>
           </a:p>
@@ -2986,7 +3156,7 @@
           <a:p>
             <a:fld id="{B2F85F7B-424A-4D46-B603-03320BA3592D}" type="datetimeFigureOut">
               <a:rPr lang="zh-CN" altLang="en-US" smtClean="0"/>
-              <a:t>2020/7/6</a:t>
+              <a:t>2020/7/9</a:t>
             </a:fld>
             <a:endParaRPr lang="zh-CN" altLang="en-US"/>
           </a:p>
@@ -3274,7 +3444,7 @@
           <a:p>
             <a:fld id="{B2F85F7B-424A-4D46-B603-03320BA3592D}" type="datetimeFigureOut">
               <a:rPr lang="zh-CN" altLang="en-US" smtClean="0"/>
-              <a:t>2020/7/6</a:t>
+              <a:t>2020/7/9</a:t>
             </a:fld>
             <a:endParaRPr lang="zh-CN" altLang="en-US"/>
           </a:p>
@@ -3515,7 +3685,7 @@
           <a:p>
             <a:fld id="{B2F85F7B-424A-4D46-B603-03320BA3592D}" type="datetimeFigureOut">
               <a:rPr lang="zh-CN" altLang="en-US" smtClean="0"/>
-              <a:t>2020/7/6</a:t>
+              <a:t>2020/7/9</a:t>
             </a:fld>
             <a:endParaRPr lang="zh-CN" altLang="en-US"/>
           </a:p>
@@ -7823,6 +7993,3277 @@
     <p:extLst>
       <p:ext uri="{BB962C8B-B14F-4D97-AF65-F5344CB8AC3E}">
         <p14:creationId xmlns:p14="http://schemas.microsoft.com/office/powerpoint/2010/main" val="3404634088"/>
+      </p:ext>
+    </p:extLst>
+  </p:cSld>
+  <p:clrMapOvr>
+    <a:masterClrMapping/>
+  </p:clrMapOvr>
+</p:sld>
+</file>
+
+<file path=ppt/slides/slide4.xml><?xml version="1.0" encoding="utf-8"?>
+<p:sld xmlns:a="http://schemas.openxmlformats.org/drawingml/2006/main" xmlns:r="http://schemas.openxmlformats.org/officeDocument/2006/relationships" xmlns:p="http://schemas.openxmlformats.org/presentationml/2006/main">
+  <p:cSld>
+    <p:bg>
+      <p:bgPr>
+        <a:blipFill>
+          <a:blip r:embed="rId3"/>
+          <a:tile tx="0" ty="0" sx="100000" sy="100000" flip="none" algn="tl"/>
+        </a:blipFill>
+        <a:effectLst/>
+      </p:bgPr>
+    </p:bg>
+    <p:spTree>
+      <p:nvGrpSpPr>
+        <p:cNvPr id="1" name=""/>
+        <p:cNvGrpSpPr/>
+        <p:nvPr/>
+      </p:nvGrpSpPr>
+      <p:grpSpPr>
+        <a:xfrm>
+          <a:off x="0" y="0"/>
+          <a:ext cx="0" cy="0"/>
+          <a:chOff x="0" y="0"/>
+          <a:chExt cx="0" cy="0"/>
+        </a:xfrm>
+      </p:grpSpPr>
+      <p:sp>
+        <p:nvSpPr>
+          <p:cNvPr id="22" name="文本框 21">
+            <a:extLst>
+              <a:ext uri="{FF2B5EF4-FFF2-40B4-BE49-F238E27FC236}">
+                <a16:creationId xmlns:a16="http://schemas.microsoft.com/office/drawing/2014/main" id="{08DD3A06-D322-46E2-9583-B41C310F57E1}"/>
+              </a:ext>
+            </a:extLst>
+          </p:cNvPr>
+          <p:cNvSpPr txBox="1"/>
+          <p:nvPr/>
+        </p:nvSpPr>
+        <p:spPr>
+          <a:xfrm>
+            <a:off x="1741251" y="807396"/>
+            <a:ext cx="428018" cy="369332"/>
+          </a:xfrm>
+          <a:prstGeom prst="rect">
+            <a:avLst/>
+          </a:prstGeom>
+          <a:solidFill>
+            <a:schemeClr val="bg2"/>
+          </a:solidFill>
+          <a:ln>
+            <a:solidFill>
+              <a:srgbClr val="0070C0"/>
+            </a:solidFill>
+          </a:ln>
+        </p:spPr>
+        <p:txBody>
+          <a:bodyPr wrap="square" rtlCol="0">
+            <a:spAutoFit/>
+          </a:bodyPr>
+          <a:lstStyle/>
+          <a:p>
+            <a:pPr algn="ctr"/>
+            <a:r>
+              <a:rPr lang="en-US" altLang="zh-CN" dirty="0"/>
+              <a:t>1</a:t>
+            </a:r>
+            <a:endParaRPr lang="zh-CN" altLang="en-US" dirty="0"/>
+          </a:p>
+        </p:txBody>
+      </p:sp>
+      <p:sp>
+        <p:nvSpPr>
+          <p:cNvPr id="23" name="文本框 22">
+            <a:extLst>
+              <a:ext uri="{FF2B5EF4-FFF2-40B4-BE49-F238E27FC236}">
+                <a16:creationId xmlns:a16="http://schemas.microsoft.com/office/drawing/2014/main" id="{59F7D72B-D2A9-4A89-BE13-8DC6FFB501F6}"/>
+              </a:ext>
+            </a:extLst>
+          </p:cNvPr>
+          <p:cNvSpPr txBox="1"/>
+          <p:nvPr/>
+        </p:nvSpPr>
+        <p:spPr>
+          <a:xfrm>
+            <a:off x="2739958" y="807396"/>
+            <a:ext cx="428018" cy="369332"/>
+          </a:xfrm>
+          <a:prstGeom prst="rect">
+            <a:avLst/>
+          </a:prstGeom>
+          <a:solidFill>
+            <a:schemeClr val="bg2"/>
+          </a:solidFill>
+          <a:ln>
+            <a:solidFill>
+              <a:srgbClr val="0070C0"/>
+            </a:solidFill>
+          </a:ln>
+        </p:spPr>
+        <p:txBody>
+          <a:bodyPr wrap="square" rtlCol="0">
+            <a:spAutoFit/>
+          </a:bodyPr>
+          <a:lstStyle/>
+          <a:p>
+            <a:pPr algn="ctr"/>
+            <a:r>
+              <a:rPr lang="en-US" altLang="zh-CN" dirty="0"/>
+              <a:t>3</a:t>
+            </a:r>
+            <a:endParaRPr lang="zh-CN" altLang="en-US" dirty="0"/>
+          </a:p>
+        </p:txBody>
+      </p:sp>
+      <p:sp>
+        <p:nvSpPr>
+          <p:cNvPr id="24" name="文本框 23">
+            <a:extLst>
+              <a:ext uri="{FF2B5EF4-FFF2-40B4-BE49-F238E27FC236}">
+                <a16:creationId xmlns:a16="http://schemas.microsoft.com/office/drawing/2014/main" id="{21150A06-1E69-42A0-AC95-7BC83C9B9307}"/>
+              </a:ext>
+            </a:extLst>
+          </p:cNvPr>
+          <p:cNvSpPr txBox="1"/>
+          <p:nvPr/>
+        </p:nvSpPr>
+        <p:spPr>
+          <a:xfrm>
+            <a:off x="3738665" y="807396"/>
+            <a:ext cx="428018" cy="369332"/>
+          </a:xfrm>
+          <a:prstGeom prst="rect">
+            <a:avLst/>
+          </a:prstGeom>
+          <a:solidFill>
+            <a:schemeClr val="bg2"/>
+          </a:solidFill>
+          <a:ln>
+            <a:solidFill>
+              <a:srgbClr val="0070C0"/>
+            </a:solidFill>
+          </a:ln>
+        </p:spPr>
+        <p:txBody>
+          <a:bodyPr wrap="square" rtlCol="0">
+            <a:spAutoFit/>
+          </a:bodyPr>
+          <a:lstStyle/>
+          <a:p>
+            <a:pPr algn="ctr"/>
+            <a:r>
+              <a:rPr lang="en-US" altLang="zh-CN" dirty="0"/>
+              <a:t>4</a:t>
+            </a:r>
+            <a:endParaRPr lang="zh-CN" altLang="en-US" dirty="0"/>
+          </a:p>
+        </p:txBody>
+      </p:sp>
+      <p:cxnSp>
+        <p:nvCxnSpPr>
+          <p:cNvPr id="25" name="直接连接符 24">
+            <a:extLst>
+              <a:ext uri="{FF2B5EF4-FFF2-40B4-BE49-F238E27FC236}">
+                <a16:creationId xmlns:a16="http://schemas.microsoft.com/office/drawing/2014/main" id="{546350DD-5E77-4C7F-9A5B-84B7C5D94FB6}"/>
+              </a:ext>
+            </a:extLst>
+          </p:cNvPr>
+          <p:cNvCxnSpPr>
+            <a:stCxn id="22" idx="3"/>
+            <a:endCxn id="23" idx="1"/>
+          </p:cNvCxnSpPr>
+          <p:nvPr/>
+        </p:nvCxnSpPr>
+        <p:spPr>
+          <a:xfrm>
+            <a:off x="2169269" y="992062"/>
+            <a:ext cx="570689" cy="0"/>
+          </a:xfrm>
+          <a:prstGeom prst="line">
+            <a:avLst/>
+          </a:prstGeom>
+          <a:ln w="9525" cap="flat" cmpd="sng" algn="ctr">
+            <a:solidFill>
+              <a:schemeClr val="dk1"/>
+            </a:solidFill>
+            <a:prstDash val="solid"/>
+            <a:round/>
+            <a:headEnd type="none" w="med" len="med"/>
+            <a:tailEnd type="arrow" w="med" len="med"/>
+          </a:ln>
+        </p:spPr>
+        <p:style>
+          <a:lnRef idx="0">
+            <a:scrgbClr r="0" g="0" b="0"/>
+          </a:lnRef>
+          <a:fillRef idx="0">
+            <a:scrgbClr r="0" g="0" b="0"/>
+          </a:fillRef>
+          <a:effectRef idx="0">
+            <a:scrgbClr r="0" g="0" b="0"/>
+          </a:effectRef>
+          <a:fontRef idx="minor">
+            <a:schemeClr val="tx1"/>
+          </a:fontRef>
+        </p:style>
+      </p:cxnSp>
+      <p:cxnSp>
+        <p:nvCxnSpPr>
+          <p:cNvPr id="26" name="直接连接符 25">
+            <a:extLst>
+              <a:ext uri="{FF2B5EF4-FFF2-40B4-BE49-F238E27FC236}">
+                <a16:creationId xmlns:a16="http://schemas.microsoft.com/office/drawing/2014/main" id="{2AC9D473-129A-4ED8-8B49-84B81DD28E4E}"/>
+              </a:ext>
+            </a:extLst>
+          </p:cNvPr>
+          <p:cNvCxnSpPr>
+            <a:cxnSpLocks/>
+          </p:cNvCxnSpPr>
+          <p:nvPr/>
+        </p:nvCxnSpPr>
+        <p:spPr>
+          <a:xfrm>
+            <a:off x="3167974" y="992062"/>
+            <a:ext cx="570691" cy="0"/>
+          </a:xfrm>
+          <a:prstGeom prst="line">
+            <a:avLst/>
+          </a:prstGeom>
+          <a:ln w="9525" cap="flat" cmpd="sng" algn="ctr">
+            <a:solidFill>
+              <a:schemeClr val="dk1"/>
+            </a:solidFill>
+            <a:prstDash val="solid"/>
+            <a:round/>
+            <a:headEnd type="none" w="med" len="med"/>
+            <a:tailEnd type="arrow" w="med" len="med"/>
+          </a:ln>
+        </p:spPr>
+        <p:style>
+          <a:lnRef idx="0">
+            <a:scrgbClr r="0" g="0" b="0"/>
+          </a:lnRef>
+          <a:fillRef idx="0">
+            <a:scrgbClr r="0" g="0" b="0"/>
+          </a:fillRef>
+          <a:effectRef idx="0">
+            <a:scrgbClr r="0" g="0" b="0"/>
+          </a:effectRef>
+          <a:fontRef idx="minor">
+            <a:schemeClr val="tx1"/>
+          </a:fontRef>
+        </p:style>
+      </p:cxnSp>
+      <p:sp>
+        <p:nvSpPr>
+          <p:cNvPr id="27" name="文本框 26">
+            <a:extLst>
+              <a:ext uri="{FF2B5EF4-FFF2-40B4-BE49-F238E27FC236}">
+                <a16:creationId xmlns:a16="http://schemas.microsoft.com/office/drawing/2014/main" id="{013A224F-3D40-4DC7-B691-3A14C9F32B9E}"/>
+              </a:ext>
+            </a:extLst>
+          </p:cNvPr>
+          <p:cNvSpPr txBox="1"/>
+          <p:nvPr/>
+        </p:nvSpPr>
+        <p:spPr>
+          <a:xfrm>
+            <a:off x="4737372" y="807396"/>
+            <a:ext cx="428018" cy="369332"/>
+          </a:xfrm>
+          <a:prstGeom prst="rect">
+            <a:avLst/>
+          </a:prstGeom>
+          <a:solidFill>
+            <a:schemeClr val="bg2"/>
+          </a:solidFill>
+          <a:ln>
+            <a:solidFill>
+              <a:srgbClr val="0070C0"/>
+            </a:solidFill>
+          </a:ln>
+        </p:spPr>
+        <p:txBody>
+          <a:bodyPr wrap="square" rtlCol="0">
+            <a:spAutoFit/>
+          </a:bodyPr>
+          <a:lstStyle/>
+          <a:p>
+            <a:pPr algn="ctr"/>
+            <a:r>
+              <a:rPr lang="en-US" altLang="zh-CN" dirty="0"/>
+              <a:t>6</a:t>
+            </a:r>
+            <a:endParaRPr lang="zh-CN" altLang="en-US" dirty="0"/>
+          </a:p>
+        </p:txBody>
+      </p:sp>
+      <p:cxnSp>
+        <p:nvCxnSpPr>
+          <p:cNvPr id="28" name="直接连接符 27">
+            <a:extLst>
+              <a:ext uri="{FF2B5EF4-FFF2-40B4-BE49-F238E27FC236}">
+                <a16:creationId xmlns:a16="http://schemas.microsoft.com/office/drawing/2014/main" id="{266EE482-D2DE-46B1-B0A2-8668224AEE0A}"/>
+              </a:ext>
+            </a:extLst>
+          </p:cNvPr>
+          <p:cNvCxnSpPr>
+            <a:cxnSpLocks/>
+          </p:cNvCxnSpPr>
+          <p:nvPr/>
+        </p:nvCxnSpPr>
+        <p:spPr>
+          <a:xfrm>
+            <a:off x="4166681" y="998388"/>
+            <a:ext cx="570691" cy="0"/>
+          </a:xfrm>
+          <a:prstGeom prst="line">
+            <a:avLst/>
+          </a:prstGeom>
+          <a:ln w="9525" cap="flat" cmpd="sng" algn="ctr">
+            <a:solidFill>
+              <a:schemeClr val="dk1"/>
+            </a:solidFill>
+            <a:prstDash val="solid"/>
+            <a:round/>
+            <a:headEnd type="none" w="med" len="med"/>
+            <a:tailEnd type="arrow" w="med" len="med"/>
+          </a:ln>
+        </p:spPr>
+        <p:style>
+          <a:lnRef idx="0">
+            <a:scrgbClr r="0" g="0" b="0"/>
+          </a:lnRef>
+          <a:fillRef idx="0">
+            <a:scrgbClr r="0" g="0" b="0"/>
+          </a:fillRef>
+          <a:effectRef idx="0">
+            <a:scrgbClr r="0" g="0" b="0"/>
+          </a:effectRef>
+          <a:fontRef idx="minor">
+            <a:schemeClr val="tx1"/>
+          </a:fontRef>
+        </p:style>
+      </p:cxnSp>
+      <p:sp>
+        <p:nvSpPr>
+          <p:cNvPr id="2" name="文本框 1">
+            <a:extLst>
+              <a:ext uri="{FF2B5EF4-FFF2-40B4-BE49-F238E27FC236}">
+                <a16:creationId xmlns:a16="http://schemas.microsoft.com/office/drawing/2014/main" id="{D1E43B5A-94ED-4D2A-A37C-8D191A2FE6EC}"/>
+              </a:ext>
+            </a:extLst>
+          </p:cNvPr>
+          <p:cNvSpPr txBox="1"/>
+          <p:nvPr/>
+        </p:nvSpPr>
+        <p:spPr>
+          <a:xfrm>
+            <a:off x="1682389" y="1771560"/>
+            <a:ext cx="545742" cy="369332"/>
+          </a:xfrm>
+          <a:prstGeom prst="rect">
+            <a:avLst/>
+          </a:prstGeom>
+          <a:solidFill>
+            <a:schemeClr val="bg2"/>
+          </a:solidFill>
+          <a:ln>
+            <a:solidFill>
+              <a:srgbClr val="0070C0"/>
+            </a:solidFill>
+          </a:ln>
+        </p:spPr>
+        <p:txBody>
+          <a:bodyPr wrap="square" rtlCol="0">
+            <a:spAutoFit/>
+          </a:bodyPr>
+          <a:lstStyle/>
+          <a:p>
+            <a:pPr algn="ctr"/>
+            <a:r>
+              <a:rPr lang="en-US" altLang="zh-CN" dirty="0"/>
+              <a:t>null</a:t>
+            </a:r>
+            <a:endParaRPr lang="zh-CN" altLang="en-US" dirty="0"/>
+          </a:p>
+        </p:txBody>
+      </p:sp>
+      <p:sp>
+        <p:nvSpPr>
+          <p:cNvPr id="5" name="文本框 4">
+            <a:extLst>
+              <a:ext uri="{FF2B5EF4-FFF2-40B4-BE49-F238E27FC236}">
+                <a16:creationId xmlns:a16="http://schemas.microsoft.com/office/drawing/2014/main" id="{A29319D1-3F40-4259-8B8A-0883ECA851AB}"/>
+              </a:ext>
+            </a:extLst>
+          </p:cNvPr>
+          <p:cNvSpPr txBox="1"/>
+          <p:nvPr/>
+        </p:nvSpPr>
+        <p:spPr>
+          <a:xfrm>
+            <a:off x="317241" y="1771560"/>
+            <a:ext cx="1119217" cy="369332"/>
+          </a:xfrm>
+          <a:prstGeom prst="rect">
+            <a:avLst/>
+          </a:prstGeom>
+          <a:noFill/>
+        </p:spPr>
+        <p:txBody>
+          <a:bodyPr wrap="none" rtlCol="0">
+            <a:spAutoFit/>
+          </a:bodyPr>
+          <a:lstStyle/>
+          <a:p>
+            <a:r>
+              <a:rPr lang="en-US" altLang="zh-CN" dirty="0" err="1"/>
+              <a:t>newHead</a:t>
+            </a:r>
+            <a:endParaRPr lang="zh-CN" altLang="en-US" dirty="0"/>
+          </a:p>
+        </p:txBody>
+      </p:sp>
+      <p:sp>
+        <p:nvSpPr>
+          <p:cNvPr id="14" name="文本框 13">
+            <a:extLst>
+              <a:ext uri="{FF2B5EF4-FFF2-40B4-BE49-F238E27FC236}">
+                <a16:creationId xmlns:a16="http://schemas.microsoft.com/office/drawing/2014/main" id="{D20FB012-E1BA-4F34-A470-1288CDA86B4B}"/>
+              </a:ext>
+            </a:extLst>
+          </p:cNvPr>
+          <p:cNvSpPr txBox="1"/>
+          <p:nvPr/>
+        </p:nvSpPr>
+        <p:spPr>
+          <a:xfrm>
+            <a:off x="1708237" y="253399"/>
+            <a:ext cx="494046" cy="369332"/>
+          </a:xfrm>
+          <a:prstGeom prst="rect">
+            <a:avLst/>
+          </a:prstGeom>
+          <a:noFill/>
+        </p:spPr>
+        <p:txBody>
+          <a:bodyPr wrap="none" rtlCol="0">
+            <a:spAutoFit/>
+          </a:bodyPr>
+          <a:lstStyle/>
+          <a:p>
+            <a:r>
+              <a:rPr lang="en-US" altLang="zh-CN" dirty="0"/>
+              <a:t>cur</a:t>
+            </a:r>
+            <a:endParaRPr lang="zh-CN" altLang="en-US" dirty="0"/>
+          </a:p>
+        </p:txBody>
+      </p:sp>
+      <p:cxnSp>
+        <p:nvCxnSpPr>
+          <p:cNvPr id="48" name="直接箭头连接符 47">
+            <a:extLst>
+              <a:ext uri="{FF2B5EF4-FFF2-40B4-BE49-F238E27FC236}">
+                <a16:creationId xmlns:a16="http://schemas.microsoft.com/office/drawing/2014/main" id="{39D900BE-5F69-4B66-8BE9-BD198FED5092}"/>
+              </a:ext>
+            </a:extLst>
+          </p:cNvPr>
+          <p:cNvCxnSpPr>
+            <a:stCxn id="5" idx="3"/>
+            <a:endCxn id="2" idx="1"/>
+          </p:cNvCxnSpPr>
+          <p:nvPr/>
+        </p:nvCxnSpPr>
+        <p:spPr>
+          <a:xfrm>
+            <a:off x="1436458" y="1956226"/>
+            <a:ext cx="245931" cy="0"/>
+          </a:xfrm>
+          <a:prstGeom prst="straightConnector1">
+            <a:avLst/>
+          </a:prstGeom>
+          <a:ln>
+            <a:solidFill>
+              <a:srgbClr val="FF0000"/>
+            </a:solidFill>
+            <a:tailEnd type="triangle"/>
+          </a:ln>
+        </p:spPr>
+        <p:style>
+          <a:lnRef idx="1">
+            <a:schemeClr val="accent1"/>
+          </a:lnRef>
+          <a:fillRef idx="0">
+            <a:schemeClr val="accent1"/>
+          </a:fillRef>
+          <a:effectRef idx="0">
+            <a:schemeClr val="accent1"/>
+          </a:effectRef>
+          <a:fontRef idx="minor">
+            <a:schemeClr val="tx1"/>
+          </a:fontRef>
+        </p:style>
+      </p:cxnSp>
+      <p:sp>
+        <p:nvSpPr>
+          <p:cNvPr id="51" name="文本框 50">
+            <a:extLst>
+              <a:ext uri="{FF2B5EF4-FFF2-40B4-BE49-F238E27FC236}">
+                <a16:creationId xmlns:a16="http://schemas.microsoft.com/office/drawing/2014/main" id="{7A05DDB4-0A21-472F-8E16-94B833581DA9}"/>
+              </a:ext>
+            </a:extLst>
+          </p:cNvPr>
+          <p:cNvSpPr txBox="1"/>
+          <p:nvPr/>
+        </p:nvSpPr>
+        <p:spPr>
+          <a:xfrm>
+            <a:off x="8239326" y="807396"/>
+            <a:ext cx="428018" cy="369332"/>
+          </a:xfrm>
+          <a:prstGeom prst="rect">
+            <a:avLst/>
+          </a:prstGeom>
+          <a:solidFill>
+            <a:schemeClr val="bg2"/>
+          </a:solidFill>
+          <a:ln>
+            <a:solidFill>
+              <a:srgbClr val="0070C0"/>
+            </a:solidFill>
+          </a:ln>
+        </p:spPr>
+        <p:txBody>
+          <a:bodyPr wrap="square" rtlCol="0">
+            <a:spAutoFit/>
+          </a:bodyPr>
+          <a:lstStyle/>
+          <a:p>
+            <a:pPr algn="ctr"/>
+            <a:r>
+              <a:rPr lang="en-US" altLang="zh-CN" dirty="0"/>
+              <a:t>1</a:t>
+            </a:r>
+            <a:endParaRPr lang="zh-CN" altLang="en-US" dirty="0"/>
+          </a:p>
+        </p:txBody>
+      </p:sp>
+      <p:sp>
+        <p:nvSpPr>
+          <p:cNvPr id="52" name="文本框 51">
+            <a:extLst>
+              <a:ext uri="{FF2B5EF4-FFF2-40B4-BE49-F238E27FC236}">
+                <a16:creationId xmlns:a16="http://schemas.microsoft.com/office/drawing/2014/main" id="{48FEE9C1-ADD4-4A1D-BC4E-627AC87CB0F7}"/>
+              </a:ext>
+            </a:extLst>
+          </p:cNvPr>
+          <p:cNvSpPr txBox="1"/>
+          <p:nvPr/>
+        </p:nvSpPr>
+        <p:spPr>
+          <a:xfrm>
+            <a:off x="9238033" y="807396"/>
+            <a:ext cx="428018" cy="369332"/>
+          </a:xfrm>
+          <a:prstGeom prst="rect">
+            <a:avLst/>
+          </a:prstGeom>
+          <a:solidFill>
+            <a:schemeClr val="bg2"/>
+          </a:solidFill>
+          <a:ln>
+            <a:solidFill>
+              <a:srgbClr val="0070C0"/>
+            </a:solidFill>
+          </a:ln>
+        </p:spPr>
+        <p:txBody>
+          <a:bodyPr wrap="square" rtlCol="0">
+            <a:spAutoFit/>
+          </a:bodyPr>
+          <a:lstStyle/>
+          <a:p>
+            <a:pPr algn="ctr"/>
+            <a:r>
+              <a:rPr lang="en-US" altLang="zh-CN" dirty="0"/>
+              <a:t>3</a:t>
+            </a:r>
+            <a:endParaRPr lang="zh-CN" altLang="en-US" dirty="0"/>
+          </a:p>
+        </p:txBody>
+      </p:sp>
+      <p:sp>
+        <p:nvSpPr>
+          <p:cNvPr id="53" name="文本框 52">
+            <a:extLst>
+              <a:ext uri="{FF2B5EF4-FFF2-40B4-BE49-F238E27FC236}">
+                <a16:creationId xmlns:a16="http://schemas.microsoft.com/office/drawing/2014/main" id="{3A262F15-373A-4B3D-B347-9EF1F198AAEF}"/>
+              </a:ext>
+            </a:extLst>
+          </p:cNvPr>
+          <p:cNvSpPr txBox="1"/>
+          <p:nvPr/>
+        </p:nvSpPr>
+        <p:spPr>
+          <a:xfrm>
+            <a:off x="10236740" y="807396"/>
+            <a:ext cx="428018" cy="369332"/>
+          </a:xfrm>
+          <a:prstGeom prst="rect">
+            <a:avLst/>
+          </a:prstGeom>
+          <a:solidFill>
+            <a:schemeClr val="bg2"/>
+          </a:solidFill>
+          <a:ln>
+            <a:solidFill>
+              <a:srgbClr val="0070C0"/>
+            </a:solidFill>
+          </a:ln>
+        </p:spPr>
+        <p:txBody>
+          <a:bodyPr wrap="square" rtlCol="0">
+            <a:spAutoFit/>
+          </a:bodyPr>
+          <a:lstStyle/>
+          <a:p>
+            <a:pPr algn="ctr"/>
+            <a:r>
+              <a:rPr lang="en-US" altLang="zh-CN" dirty="0"/>
+              <a:t>4</a:t>
+            </a:r>
+            <a:endParaRPr lang="zh-CN" altLang="en-US" dirty="0"/>
+          </a:p>
+        </p:txBody>
+      </p:sp>
+      <p:cxnSp>
+        <p:nvCxnSpPr>
+          <p:cNvPr id="55" name="直接连接符 54">
+            <a:extLst>
+              <a:ext uri="{FF2B5EF4-FFF2-40B4-BE49-F238E27FC236}">
+                <a16:creationId xmlns:a16="http://schemas.microsoft.com/office/drawing/2014/main" id="{EC7CF8D4-7DA1-4861-8A11-D3301706A074}"/>
+              </a:ext>
+            </a:extLst>
+          </p:cNvPr>
+          <p:cNvCxnSpPr>
+            <a:cxnSpLocks/>
+          </p:cNvCxnSpPr>
+          <p:nvPr/>
+        </p:nvCxnSpPr>
+        <p:spPr>
+          <a:xfrm>
+            <a:off x="9666049" y="992062"/>
+            <a:ext cx="570691" cy="0"/>
+          </a:xfrm>
+          <a:prstGeom prst="line">
+            <a:avLst/>
+          </a:prstGeom>
+          <a:ln w="9525" cap="flat" cmpd="sng" algn="ctr">
+            <a:solidFill>
+              <a:schemeClr val="dk1"/>
+            </a:solidFill>
+            <a:prstDash val="solid"/>
+            <a:round/>
+            <a:headEnd type="none" w="med" len="med"/>
+            <a:tailEnd type="arrow" w="med" len="med"/>
+          </a:ln>
+        </p:spPr>
+        <p:style>
+          <a:lnRef idx="0">
+            <a:scrgbClr r="0" g="0" b="0"/>
+          </a:lnRef>
+          <a:fillRef idx="0">
+            <a:scrgbClr r="0" g="0" b="0"/>
+          </a:fillRef>
+          <a:effectRef idx="0">
+            <a:scrgbClr r="0" g="0" b="0"/>
+          </a:effectRef>
+          <a:fontRef idx="minor">
+            <a:schemeClr val="tx1"/>
+          </a:fontRef>
+        </p:style>
+      </p:cxnSp>
+      <p:sp>
+        <p:nvSpPr>
+          <p:cNvPr id="56" name="文本框 55">
+            <a:extLst>
+              <a:ext uri="{FF2B5EF4-FFF2-40B4-BE49-F238E27FC236}">
+                <a16:creationId xmlns:a16="http://schemas.microsoft.com/office/drawing/2014/main" id="{C3643154-FC5F-4969-9A93-1E16762A5CDF}"/>
+              </a:ext>
+            </a:extLst>
+          </p:cNvPr>
+          <p:cNvSpPr txBox="1"/>
+          <p:nvPr/>
+        </p:nvSpPr>
+        <p:spPr>
+          <a:xfrm>
+            <a:off x="11235447" y="807396"/>
+            <a:ext cx="428018" cy="369332"/>
+          </a:xfrm>
+          <a:prstGeom prst="rect">
+            <a:avLst/>
+          </a:prstGeom>
+          <a:solidFill>
+            <a:schemeClr val="bg2"/>
+          </a:solidFill>
+          <a:ln>
+            <a:solidFill>
+              <a:srgbClr val="0070C0"/>
+            </a:solidFill>
+          </a:ln>
+        </p:spPr>
+        <p:txBody>
+          <a:bodyPr wrap="square" rtlCol="0">
+            <a:spAutoFit/>
+          </a:bodyPr>
+          <a:lstStyle/>
+          <a:p>
+            <a:pPr algn="ctr"/>
+            <a:r>
+              <a:rPr lang="en-US" altLang="zh-CN" dirty="0"/>
+              <a:t>6</a:t>
+            </a:r>
+            <a:endParaRPr lang="zh-CN" altLang="en-US" dirty="0"/>
+          </a:p>
+        </p:txBody>
+      </p:sp>
+      <p:cxnSp>
+        <p:nvCxnSpPr>
+          <p:cNvPr id="57" name="直接连接符 56">
+            <a:extLst>
+              <a:ext uri="{FF2B5EF4-FFF2-40B4-BE49-F238E27FC236}">
+                <a16:creationId xmlns:a16="http://schemas.microsoft.com/office/drawing/2014/main" id="{1DDF6821-B343-442A-A26D-265675B74057}"/>
+              </a:ext>
+            </a:extLst>
+          </p:cNvPr>
+          <p:cNvCxnSpPr>
+            <a:cxnSpLocks/>
+          </p:cNvCxnSpPr>
+          <p:nvPr/>
+        </p:nvCxnSpPr>
+        <p:spPr>
+          <a:xfrm>
+            <a:off x="10664756" y="998388"/>
+            <a:ext cx="570691" cy="0"/>
+          </a:xfrm>
+          <a:prstGeom prst="line">
+            <a:avLst/>
+          </a:prstGeom>
+          <a:ln w="9525" cap="flat" cmpd="sng" algn="ctr">
+            <a:solidFill>
+              <a:schemeClr val="dk1"/>
+            </a:solidFill>
+            <a:prstDash val="solid"/>
+            <a:round/>
+            <a:headEnd type="none" w="med" len="med"/>
+            <a:tailEnd type="arrow" w="med" len="med"/>
+          </a:ln>
+        </p:spPr>
+        <p:style>
+          <a:lnRef idx="0">
+            <a:scrgbClr r="0" g="0" b="0"/>
+          </a:lnRef>
+          <a:fillRef idx="0">
+            <a:scrgbClr r="0" g="0" b="0"/>
+          </a:fillRef>
+          <a:effectRef idx="0">
+            <a:scrgbClr r="0" g="0" b="0"/>
+          </a:effectRef>
+          <a:fontRef idx="minor">
+            <a:schemeClr val="tx1"/>
+          </a:fontRef>
+        </p:style>
+      </p:cxnSp>
+      <p:sp>
+        <p:nvSpPr>
+          <p:cNvPr id="58" name="文本框 57">
+            <a:extLst>
+              <a:ext uri="{FF2B5EF4-FFF2-40B4-BE49-F238E27FC236}">
+                <a16:creationId xmlns:a16="http://schemas.microsoft.com/office/drawing/2014/main" id="{559B7AD1-ABED-4899-84E6-5341FFA880D9}"/>
+              </a:ext>
+            </a:extLst>
+          </p:cNvPr>
+          <p:cNvSpPr txBox="1"/>
+          <p:nvPr/>
+        </p:nvSpPr>
+        <p:spPr>
+          <a:xfrm>
+            <a:off x="8180464" y="1771560"/>
+            <a:ext cx="545742" cy="369332"/>
+          </a:xfrm>
+          <a:prstGeom prst="rect">
+            <a:avLst/>
+          </a:prstGeom>
+          <a:solidFill>
+            <a:schemeClr val="bg2"/>
+          </a:solidFill>
+          <a:ln>
+            <a:solidFill>
+              <a:srgbClr val="0070C0"/>
+            </a:solidFill>
+          </a:ln>
+        </p:spPr>
+        <p:txBody>
+          <a:bodyPr wrap="square" rtlCol="0">
+            <a:spAutoFit/>
+          </a:bodyPr>
+          <a:lstStyle/>
+          <a:p>
+            <a:pPr algn="ctr"/>
+            <a:r>
+              <a:rPr lang="en-US" altLang="zh-CN" dirty="0"/>
+              <a:t>null</a:t>
+            </a:r>
+            <a:endParaRPr lang="zh-CN" altLang="en-US" dirty="0"/>
+          </a:p>
+        </p:txBody>
+      </p:sp>
+      <p:sp>
+        <p:nvSpPr>
+          <p:cNvPr id="59" name="文本框 58">
+            <a:extLst>
+              <a:ext uri="{FF2B5EF4-FFF2-40B4-BE49-F238E27FC236}">
+                <a16:creationId xmlns:a16="http://schemas.microsoft.com/office/drawing/2014/main" id="{12E46541-69AD-4F9D-8D8A-AF9531C55109}"/>
+              </a:ext>
+            </a:extLst>
+          </p:cNvPr>
+          <p:cNvSpPr txBox="1"/>
+          <p:nvPr/>
+        </p:nvSpPr>
+        <p:spPr>
+          <a:xfrm>
+            <a:off x="6815316" y="1771560"/>
+            <a:ext cx="1119217" cy="369332"/>
+          </a:xfrm>
+          <a:prstGeom prst="rect">
+            <a:avLst/>
+          </a:prstGeom>
+          <a:noFill/>
+        </p:spPr>
+        <p:txBody>
+          <a:bodyPr wrap="none" rtlCol="0">
+            <a:spAutoFit/>
+          </a:bodyPr>
+          <a:lstStyle/>
+          <a:p>
+            <a:r>
+              <a:rPr lang="en-US" altLang="zh-CN" dirty="0" err="1"/>
+              <a:t>newHead</a:t>
+            </a:r>
+            <a:endParaRPr lang="zh-CN" altLang="en-US" dirty="0"/>
+          </a:p>
+        </p:txBody>
+      </p:sp>
+      <p:sp>
+        <p:nvSpPr>
+          <p:cNvPr id="60" name="文本框 59">
+            <a:extLst>
+              <a:ext uri="{FF2B5EF4-FFF2-40B4-BE49-F238E27FC236}">
+                <a16:creationId xmlns:a16="http://schemas.microsoft.com/office/drawing/2014/main" id="{3ADE0C9C-5F0A-4EBD-9CFC-D8DF879493B0}"/>
+              </a:ext>
+            </a:extLst>
+          </p:cNvPr>
+          <p:cNvSpPr txBox="1"/>
+          <p:nvPr/>
+        </p:nvSpPr>
+        <p:spPr>
+          <a:xfrm>
+            <a:off x="8206312" y="253399"/>
+            <a:ext cx="494046" cy="369332"/>
+          </a:xfrm>
+          <a:prstGeom prst="rect">
+            <a:avLst/>
+          </a:prstGeom>
+          <a:noFill/>
+        </p:spPr>
+        <p:txBody>
+          <a:bodyPr wrap="none" rtlCol="0">
+            <a:spAutoFit/>
+          </a:bodyPr>
+          <a:lstStyle/>
+          <a:p>
+            <a:r>
+              <a:rPr lang="en-US" altLang="zh-CN" dirty="0"/>
+              <a:t>cur</a:t>
+            </a:r>
+            <a:endParaRPr lang="zh-CN" altLang="en-US" dirty="0"/>
+          </a:p>
+        </p:txBody>
+      </p:sp>
+      <p:cxnSp>
+        <p:nvCxnSpPr>
+          <p:cNvPr id="61" name="直接箭头连接符 60">
+            <a:extLst>
+              <a:ext uri="{FF2B5EF4-FFF2-40B4-BE49-F238E27FC236}">
+                <a16:creationId xmlns:a16="http://schemas.microsoft.com/office/drawing/2014/main" id="{F7B40981-BCBD-436E-90CD-21AA2678FD27}"/>
+              </a:ext>
+            </a:extLst>
+          </p:cNvPr>
+          <p:cNvCxnSpPr>
+            <a:cxnSpLocks/>
+            <a:stCxn id="59" idx="3"/>
+            <a:endCxn id="58" idx="1"/>
+          </p:cNvCxnSpPr>
+          <p:nvPr/>
+        </p:nvCxnSpPr>
+        <p:spPr>
+          <a:xfrm>
+            <a:off x="7934533" y="1956226"/>
+            <a:ext cx="245931" cy="0"/>
+          </a:xfrm>
+          <a:prstGeom prst="straightConnector1">
+            <a:avLst/>
+          </a:prstGeom>
+          <a:ln>
+            <a:solidFill>
+              <a:srgbClr val="FF0000"/>
+            </a:solidFill>
+            <a:tailEnd type="triangle"/>
+          </a:ln>
+        </p:spPr>
+        <p:style>
+          <a:lnRef idx="1">
+            <a:schemeClr val="accent1"/>
+          </a:lnRef>
+          <a:fillRef idx="0">
+            <a:schemeClr val="accent1"/>
+          </a:fillRef>
+          <a:effectRef idx="0">
+            <a:schemeClr val="accent1"/>
+          </a:effectRef>
+          <a:fontRef idx="minor">
+            <a:schemeClr val="tx1"/>
+          </a:fontRef>
+        </p:style>
+      </p:cxnSp>
+      <p:cxnSp>
+        <p:nvCxnSpPr>
+          <p:cNvPr id="64" name="直接箭头连接符 63">
+            <a:extLst>
+              <a:ext uri="{FF2B5EF4-FFF2-40B4-BE49-F238E27FC236}">
+                <a16:creationId xmlns:a16="http://schemas.microsoft.com/office/drawing/2014/main" id="{42C7FB52-1E1D-4548-BBCA-D26C89FB5BFD}"/>
+              </a:ext>
+            </a:extLst>
+          </p:cNvPr>
+          <p:cNvCxnSpPr>
+            <a:stCxn id="51" idx="2"/>
+            <a:endCxn id="58" idx="0"/>
+          </p:cNvCxnSpPr>
+          <p:nvPr/>
+        </p:nvCxnSpPr>
+        <p:spPr>
+          <a:xfrm>
+            <a:off x="8453335" y="1176728"/>
+            <a:ext cx="0" cy="594832"/>
+          </a:xfrm>
+          <a:prstGeom prst="straightConnector1">
+            <a:avLst/>
+          </a:prstGeom>
+          <a:ln>
+            <a:solidFill>
+              <a:srgbClr val="FF0000"/>
+            </a:solidFill>
+            <a:tailEnd type="triangle"/>
+          </a:ln>
+        </p:spPr>
+        <p:style>
+          <a:lnRef idx="1">
+            <a:schemeClr val="accent1"/>
+          </a:lnRef>
+          <a:fillRef idx="0">
+            <a:schemeClr val="accent1"/>
+          </a:fillRef>
+          <a:effectRef idx="0">
+            <a:schemeClr val="accent1"/>
+          </a:effectRef>
+          <a:fontRef idx="minor">
+            <a:schemeClr val="tx1"/>
+          </a:fontRef>
+        </p:style>
+      </p:cxnSp>
+      <p:sp>
+        <p:nvSpPr>
+          <p:cNvPr id="66" name="文本框 65">
+            <a:extLst>
+              <a:ext uri="{FF2B5EF4-FFF2-40B4-BE49-F238E27FC236}">
+                <a16:creationId xmlns:a16="http://schemas.microsoft.com/office/drawing/2014/main" id="{56A576D0-31A5-444E-932F-BED05E57D24C}"/>
+              </a:ext>
+            </a:extLst>
+          </p:cNvPr>
+          <p:cNvSpPr txBox="1"/>
+          <p:nvPr/>
+        </p:nvSpPr>
+        <p:spPr>
+          <a:xfrm>
+            <a:off x="2454612" y="4216180"/>
+            <a:ext cx="428018" cy="369332"/>
+          </a:xfrm>
+          <a:prstGeom prst="rect">
+            <a:avLst/>
+          </a:prstGeom>
+          <a:solidFill>
+            <a:schemeClr val="bg2"/>
+          </a:solidFill>
+          <a:ln>
+            <a:solidFill>
+              <a:srgbClr val="0070C0"/>
+            </a:solidFill>
+          </a:ln>
+        </p:spPr>
+        <p:txBody>
+          <a:bodyPr wrap="square" rtlCol="0">
+            <a:spAutoFit/>
+          </a:bodyPr>
+          <a:lstStyle/>
+          <a:p>
+            <a:pPr algn="ctr"/>
+            <a:r>
+              <a:rPr lang="en-US" altLang="zh-CN" dirty="0"/>
+              <a:t>1</a:t>
+            </a:r>
+            <a:endParaRPr lang="zh-CN" altLang="en-US" dirty="0"/>
+          </a:p>
+        </p:txBody>
+      </p:sp>
+      <p:sp>
+        <p:nvSpPr>
+          <p:cNvPr id="67" name="文本框 66">
+            <a:extLst>
+              <a:ext uri="{FF2B5EF4-FFF2-40B4-BE49-F238E27FC236}">
+                <a16:creationId xmlns:a16="http://schemas.microsoft.com/office/drawing/2014/main" id="{6287F3A2-65D6-48B5-B6CE-EA9CDCB9FE9B}"/>
+              </a:ext>
+            </a:extLst>
+          </p:cNvPr>
+          <p:cNvSpPr txBox="1"/>
+          <p:nvPr/>
+        </p:nvSpPr>
+        <p:spPr>
+          <a:xfrm>
+            <a:off x="3453319" y="4216180"/>
+            <a:ext cx="428018" cy="369332"/>
+          </a:xfrm>
+          <a:prstGeom prst="rect">
+            <a:avLst/>
+          </a:prstGeom>
+          <a:solidFill>
+            <a:schemeClr val="bg2"/>
+          </a:solidFill>
+          <a:ln>
+            <a:solidFill>
+              <a:srgbClr val="0070C0"/>
+            </a:solidFill>
+          </a:ln>
+        </p:spPr>
+        <p:txBody>
+          <a:bodyPr wrap="square" rtlCol="0">
+            <a:spAutoFit/>
+          </a:bodyPr>
+          <a:lstStyle/>
+          <a:p>
+            <a:pPr algn="ctr"/>
+            <a:r>
+              <a:rPr lang="en-US" altLang="zh-CN" dirty="0"/>
+              <a:t>3</a:t>
+            </a:r>
+            <a:endParaRPr lang="zh-CN" altLang="en-US" dirty="0"/>
+          </a:p>
+        </p:txBody>
+      </p:sp>
+      <p:sp>
+        <p:nvSpPr>
+          <p:cNvPr id="68" name="文本框 67">
+            <a:extLst>
+              <a:ext uri="{FF2B5EF4-FFF2-40B4-BE49-F238E27FC236}">
+                <a16:creationId xmlns:a16="http://schemas.microsoft.com/office/drawing/2014/main" id="{0BE80F2F-7055-4334-9DC1-8DFC0C6E89EA}"/>
+              </a:ext>
+            </a:extLst>
+          </p:cNvPr>
+          <p:cNvSpPr txBox="1"/>
+          <p:nvPr/>
+        </p:nvSpPr>
+        <p:spPr>
+          <a:xfrm>
+            <a:off x="4452026" y="4216180"/>
+            <a:ext cx="428018" cy="369332"/>
+          </a:xfrm>
+          <a:prstGeom prst="rect">
+            <a:avLst/>
+          </a:prstGeom>
+          <a:solidFill>
+            <a:schemeClr val="bg2"/>
+          </a:solidFill>
+          <a:ln>
+            <a:solidFill>
+              <a:srgbClr val="0070C0"/>
+            </a:solidFill>
+          </a:ln>
+        </p:spPr>
+        <p:txBody>
+          <a:bodyPr wrap="square" rtlCol="0">
+            <a:spAutoFit/>
+          </a:bodyPr>
+          <a:lstStyle/>
+          <a:p>
+            <a:pPr algn="ctr"/>
+            <a:r>
+              <a:rPr lang="en-US" altLang="zh-CN" dirty="0"/>
+              <a:t>4</a:t>
+            </a:r>
+            <a:endParaRPr lang="zh-CN" altLang="en-US" dirty="0"/>
+          </a:p>
+        </p:txBody>
+      </p:sp>
+      <p:cxnSp>
+        <p:nvCxnSpPr>
+          <p:cNvPr id="69" name="直接连接符 68">
+            <a:extLst>
+              <a:ext uri="{FF2B5EF4-FFF2-40B4-BE49-F238E27FC236}">
+                <a16:creationId xmlns:a16="http://schemas.microsoft.com/office/drawing/2014/main" id="{189D5371-802F-4BC5-8FC3-983B9DAA6398}"/>
+              </a:ext>
+            </a:extLst>
+          </p:cNvPr>
+          <p:cNvCxnSpPr>
+            <a:cxnSpLocks/>
+          </p:cNvCxnSpPr>
+          <p:nvPr/>
+        </p:nvCxnSpPr>
+        <p:spPr>
+          <a:xfrm>
+            <a:off x="3881335" y="4400846"/>
+            <a:ext cx="570691" cy="0"/>
+          </a:xfrm>
+          <a:prstGeom prst="line">
+            <a:avLst/>
+          </a:prstGeom>
+          <a:ln w="9525" cap="flat" cmpd="sng" algn="ctr">
+            <a:solidFill>
+              <a:schemeClr val="dk1"/>
+            </a:solidFill>
+            <a:prstDash val="solid"/>
+            <a:round/>
+            <a:headEnd type="none" w="med" len="med"/>
+            <a:tailEnd type="arrow" w="med" len="med"/>
+          </a:ln>
+        </p:spPr>
+        <p:style>
+          <a:lnRef idx="0">
+            <a:scrgbClr r="0" g="0" b="0"/>
+          </a:lnRef>
+          <a:fillRef idx="0">
+            <a:scrgbClr r="0" g="0" b="0"/>
+          </a:fillRef>
+          <a:effectRef idx="0">
+            <a:scrgbClr r="0" g="0" b="0"/>
+          </a:effectRef>
+          <a:fontRef idx="minor">
+            <a:schemeClr val="tx1"/>
+          </a:fontRef>
+        </p:style>
+      </p:cxnSp>
+      <p:sp>
+        <p:nvSpPr>
+          <p:cNvPr id="70" name="文本框 69">
+            <a:extLst>
+              <a:ext uri="{FF2B5EF4-FFF2-40B4-BE49-F238E27FC236}">
+                <a16:creationId xmlns:a16="http://schemas.microsoft.com/office/drawing/2014/main" id="{ED1137EB-EE9D-4069-8881-01F2FCB3976F}"/>
+              </a:ext>
+            </a:extLst>
+          </p:cNvPr>
+          <p:cNvSpPr txBox="1"/>
+          <p:nvPr/>
+        </p:nvSpPr>
+        <p:spPr>
+          <a:xfrm>
+            <a:off x="5450733" y="4216180"/>
+            <a:ext cx="428018" cy="369332"/>
+          </a:xfrm>
+          <a:prstGeom prst="rect">
+            <a:avLst/>
+          </a:prstGeom>
+          <a:solidFill>
+            <a:schemeClr val="bg2"/>
+          </a:solidFill>
+          <a:ln>
+            <a:solidFill>
+              <a:srgbClr val="0070C0"/>
+            </a:solidFill>
+          </a:ln>
+        </p:spPr>
+        <p:txBody>
+          <a:bodyPr wrap="square" rtlCol="0">
+            <a:spAutoFit/>
+          </a:bodyPr>
+          <a:lstStyle/>
+          <a:p>
+            <a:pPr algn="ctr"/>
+            <a:r>
+              <a:rPr lang="en-US" altLang="zh-CN" dirty="0"/>
+              <a:t>6</a:t>
+            </a:r>
+            <a:endParaRPr lang="zh-CN" altLang="en-US" dirty="0"/>
+          </a:p>
+        </p:txBody>
+      </p:sp>
+      <p:cxnSp>
+        <p:nvCxnSpPr>
+          <p:cNvPr id="72" name="直接连接符 71">
+            <a:extLst>
+              <a:ext uri="{FF2B5EF4-FFF2-40B4-BE49-F238E27FC236}">
+                <a16:creationId xmlns:a16="http://schemas.microsoft.com/office/drawing/2014/main" id="{C61E76E4-3A7D-4459-BCFB-46077427A1A8}"/>
+              </a:ext>
+            </a:extLst>
+          </p:cNvPr>
+          <p:cNvCxnSpPr>
+            <a:cxnSpLocks/>
+          </p:cNvCxnSpPr>
+          <p:nvPr/>
+        </p:nvCxnSpPr>
+        <p:spPr>
+          <a:xfrm>
+            <a:off x="4880042" y="4407172"/>
+            <a:ext cx="570691" cy="0"/>
+          </a:xfrm>
+          <a:prstGeom prst="line">
+            <a:avLst/>
+          </a:prstGeom>
+          <a:ln w="9525" cap="flat" cmpd="sng" algn="ctr">
+            <a:solidFill>
+              <a:schemeClr val="dk1"/>
+            </a:solidFill>
+            <a:prstDash val="solid"/>
+            <a:round/>
+            <a:headEnd type="none" w="med" len="med"/>
+            <a:tailEnd type="arrow" w="med" len="med"/>
+          </a:ln>
+        </p:spPr>
+        <p:style>
+          <a:lnRef idx="0">
+            <a:scrgbClr r="0" g="0" b="0"/>
+          </a:lnRef>
+          <a:fillRef idx="0">
+            <a:scrgbClr r="0" g="0" b="0"/>
+          </a:fillRef>
+          <a:effectRef idx="0">
+            <a:scrgbClr r="0" g="0" b="0"/>
+          </a:effectRef>
+          <a:fontRef idx="minor">
+            <a:schemeClr val="tx1"/>
+          </a:fontRef>
+        </p:style>
+      </p:cxnSp>
+      <p:sp>
+        <p:nvSpPr>
+          <p:cNvPr id="73" name="文本框 72">
+            <a:extLst>
+              <a:ext uri="{FF2B5EF4-FFF2-40B4-BE49-F238E27FC236}">
+                <a16:creationId xmlns:a16="http://schemas.microsoft.com/office/drawing/2014/main" id="{0E13ECB1-9DB9-4973-BA7F-FC9A85CEFD0E}"/>
+              </a:ext>
+            </a:extLst>
+          </p:cNvPr>
+          <p:cNvSpPr txBox="1"/>
+          <p:nvPr/>
+        </p:nvSpPr>
+        <p:spPr>
+          <a:xfrm>
+            <a:off x="2395750" y="5180344"/>
+            <a:ext cx="545742" cy="369332"/>
+          </a:xfrm>
+          <a:prstGeom prst="rect">
+            <a:avLst/>
+          </a:prstGeom>
+          <a:solidFill>
+            <a:schemeClr val="bg2"/>
+          </a:solidFill>
+          <a:ln>
+            <a:solidFill>
+              <a:srgbClr val="0070C0"/>
+            </a:solidFill>
+          </a:ln>
+        </p:spPr>
+        <p:txBody>
+          <a:bodyPr wrap="square" rtlCol="0">
+            <a:spAutoFit/>
+          </a:bodyPr>
+          <a:lstStyle/>
+          <a:p>
+            <a:pPr algn="ctr"/>
+            <a:r>
+              <a:rPr lang="en-US" altLang="zh-CN" dirty="0"/>
+              <a:t>null</a:t>
+            </a:r>
+            <a:endParaRPr lang="zh-CN" altLang="en-US" dirty="0"/>
+          </a:p>
+        </p:txBody>
+      </p:sp>
+      <p:sp>
+        <p:nvSpPr>
+          <p:cNvPr id="74" name="文本框 73">
+            <a:extLst>
+              <a:ext uri="{FF2B5EF4-FFF2-40B4-BE49-F238E27FC236}">
+                <a16:creationId xmlns:a16="http://schemas.microsoft.com/office/drawing/2014/main" id="{B253ED05-99F7-45BE-A92D-6CDB15BC18B2}"/>
+              </a:ext>
+            </a:extLst>
+          </p:cNvPr>
+          <p:cNvSpPr txBox="1"/>
+          <p:nvPr/>
+        </p:nvSpPr>
+        <p:spPr>
+          <a:xfrm>
+            <a:off x="1083897" y="4216180"/>
+            <a:ext cx="1119217" cy="369332"/>
+          </a:xfrm>
+          <a:prstGeom prst="rect">
+            <a:avLst/>
+          </a:prstGeom>
+          <a:noFill/>
+        </p:spPr>
+        <p:txBody>
+          <a:bodyPr wrap="none" rtlCol="0">
+            <a:spAutoFit/>
+          </a:bodyPr>
+          <a:lstStyle/>
+          <a:p>
+            <a:r>
+              <a:rPr lang="en-US" altLang="zh-CN" dirty="0" err="1"/>
+              <a:t>newHead</a:t>
+            </a:r>
+            <a:endParaRPr lang="zh-CN" altLang="en-US" dirty="0"/>
+          </a:p>
+        </p:txBody>
+      </p:sp>
+      <p:sp>
+        <p:nvSpPr>
+          <p:cNvPr id="75" name="文本框 74">
+            <a:extLst>
+              <a:ext uri="{FF2B5EF4-FFF2-40B4-BE49-F238E27FC236}">
+                <a16:creationId xmlns:a16="http://schemas.microsoft.com/office/drawing/2014/main" id="{288DEC8A-FD5F-4D82-88E9-3A8BE32970AF}"/>
+              </a:ext>
+            </a:extLst>
+          </p:cNvPr>
+          <p:cNvSpPr txBox="1"/>
+          <p:nvPr/>
+        </p:nvSpPr>
+        <p:spPr>
+          <a:xfrm>
+            <a:off x="3420305" y="3662183"/>
+            <a:ext cx="494046" cy="369332"/>
+          </a:xfrm>
+          <a:prstGeom prst="rect">
+            <a:avLst/>
+          </a:prstGeom>
+          <a:noFill/>
+        </p:spPr>
+        <p:txBody>
+          <a:bodyPr wrap="none" rtlCol="0">
+            <a:spAutoFit/>
+          </a:bodyPr>
+          <a:lstStyle/>
+          <a:p>
+            <a:r>
+              <a:rPr lang="en-US" altLang="zh-CN" dirty="0"/>
+              <a:t>cur</a:t>
+            </a:r>
+            <a:endParaRPr lang="zh-CN" altLang="en-US" dirty="0"/>
+          </a:p>
+        </p:txBody>
+      </p:sp>
+      <p:cxnSp>
+        <p:nvCxnSpPr>
+          <p:cNvPr id="77" name="直接箭头连接符 76">
+            <a:extLst>
+              <a:ext uri="{FF2B5EF4-FFF2-40B4-BE49-F238E27FC236}">
+                <a16:creationId xmlns:a16="http://schemas.microsoft.com/office/drawing/2014/main" id="{F165A9A0-3D1E-4395-839D-F4D66377B9ED}"/>
+              </a:ext>
+            </a:extLst>
+          </p:cNvPr>
+          <p:cNvCxnSpPr>
+            <a:stCxn id="66" idx="2"/>
+            <a:endCxn id="73" idx="0"/>
+          </p:cNvCxnSpPr>
+          <p:nvPr/>
+        </p:nvCxnSpPr>
+        <p:spPr>
+          <a:xfrm>
+            <a:off x="2668621" y="4585512"/>
+            <a:ext cx="0" cy="594832"/>
+          </a:xfrm>
+          <a:prstGeom prst="straightConnector1">
+            <a:avLst/>
+          </a:prstGeom>
+          <a:ln>
+            <a:solidFill>
+              <a:srgbClr val="FF0000"/>
+            </a:solidFill>
+            <a:tailEnd type="triangle"/>
+          </a:ln>
+        </p:spPr>
+        <p:style>
+          <a:lnRef idx="1">
+            <a:schemeClr val="accent1"/>
+          </a:lnRef>
+          <a:fillRef idx="0">
+            <a:schemeClr val="accent1"/>
+          </a:fillRef>
+          <a:effectRef idx="0">
+            <a:schemeClr val="accent1"/>
+          </a:effectRef>
+          <a:fontRef idx="minor">
+            <a:schemeClr val="tx1"/>
+          </a:fontRef>
+        </p:style>
+      </p:cxnSp>
+      <p:cxnSp>
+        <p:nvCxnSpPr>
+          <p:cNvPr id="78" name="直接箭头连接符 77">
+            <a:extLst>
+              <a:ext uri="{FF2B5EF4-FFF2-40B4-BE49-F238E27FC236}">
+                <a16:creationId xmlns:a16="http://schemas.microsoft.com/office/drawing/2014/main" id="{E2ACF562-8E0C-4278-A711-988379DED7A5}"/>
+              </a:ext>
+            </a:extLst>
+          </p:cNvPr>
+          <p:cNvCxnSpPr>
+            <a:cxnSpLocks/>
+          </p:cNvCxnSpPr>
+          <p:nvPr/>
+        </p:nvCxnSpPr>
+        <p:spPr>
+          <a:xfrm>
+            <a:off x="2175667" y="4428746"/>
+            <a:ext cx="245931" cy="0"/>
+          </a:xfrm>
+          <a:prstGeom prst="straightConnector1">
+            <a:avLst/>
+          </a:prstGeom>
+          <a:ln>
+            <a:solidFill>
+              <a:srgbClr val="FF0000"/>
+            </a:solidFill>
+            <a:tailEnd type="triangle"/>
+          </a:ln>
+        </p:spPr>
+        <p:style>
+          <a:lnRef idx="1">
+            <a:schemeClr val="accent1"/>
+          </a:lnRef>
+          <a:fillRef idx="0">
+            <a:schemeClr val="accent1"/>
+          </a:fillRef>
+          <a:effectRef idx="0">
+            <a:schemeClr val="accent1"/>
+          </a:effectRef>
+          <a:fontRef idx="minor">
+            <a:schemeClr val="tx1"/>
+          </a:fontRef>
+        </p:style>
+      </p:cxnSp>
+      <p:sp>
+        <p:nvSpPr>
+          <p:cNvPr id="80" name="箭头: 右 79">
+            <a:extLst>
+              <a:ext uri="{FF2B5EF4-FFF2-40B4-BE49-F238E27FC236}">
+                <a16:creationId xmlns:a16="http://schemas.microsoft.com/office/drawing/2014/main" id="{52F6F6AB-7805-4BDC-BE9C-47CF76EDD0F2}"/>
+              </a:ext>
+            </a:extLst>
+          </p:cNvPr>
+          <p:cNvSpPr/>
+          <p:nvPr/>
+        </p:nvSpPr>
+        <p:spPr>
+          <a:xfrm>
+            <a:off x="5165387" y="1586204"/>
+            <a:ext cx="1556430" cy="727786"/>
+          </a:xfrm>
+          <a:prstGeom prst="rightArrow">
+            <a:avLst/>
+          </a:prstGeom>
+        </p:spPr>
+        <p:style>
+          <a:lnRef idx="2">
+            <a:schemeClr val="accent1">
+              <a:shade val="50000"/>
+            </a:schemeClr>
+          </a:lnRef>
+          <a:fillRef idx="1">
+            <a:schemeClr val="accent1"/>
+          </a:fillRef>
+          <a:effectRef idx="0">
+            <a:schemeClr val="accent1"/>
+          </a:effectRef>
+          <a:fontRef idx="minor">
+            <a:schemeClr val="lt1"/>
+          </a:fontRef>
+        </p:style>
+        <p:txBody>
+          <a:bodyPr rtlCol="0" anchor="ctr"/>
+          <a:lstStyle/>
+          <a:p>
+            <a:pPr algn="ctr"/>
+            <a:endParaRPr lang="zh-CN" altLang="en-US"/>
+          </a:p>
+        </p:txBody>
+      </p:sp>
+      <p:sp>
+        <p:nvSpPr>
+          <p:cNvPr id="83" name="箭头: 右 82">
+            <a:extLst>
+              <a:ext uri="{FF2B5EF4-FFF2-40B4-BE49-F238E27FC236}">
+                <a16:creationId xmlns:a16="http://schemas.microsoft.com/office/drawing/2014/main" id="{81BC29DC-8083-4D3E-AD20-60BA7B326D98}"/>
+              </a:ext>
+            </a:extLst>
+          </p:cNvPr>
+          <p:cNvSpPr/>
+          <p:nvPr/>
+        </p:nvSpPr>
+        <p:spPr>
+          <a:xfrm rot="10800000">
+            <a:off x="6915170" y="4633332"/>
+            <a:ext cx="1556430" cy="727786"/>
+          </a:xfrm>
+          <a:prstGeom prst="rightArrow">
+            <a:avLst/>
+          </a:prstGeom>
+        </p:spPr>
+        <p:style>
+          <a:lnRef idx="2">
+            <a:schemeClr val="accent1">
+              <a:shade val="50000"/>
+            </a:schemeClr>
+          </a:lnRef>
+          <a:fillRef idx="1">
+            <a:schemeClr val="accent1"/>
+          </a:fillRef>
+          <a:effectRef idx="0">
+            <a:schemeClr val="accent1"/>
+          </a:effectRef>
+          <a:fontRef idx="minor">
+            <a:schemeClr val="lt1"/>
+          </a:fontRef>
+        </p:style>
+        <p:txBody>
+          <a:bodyPr rtlCol="0" anchor="ctr"/>
+          <a:lstStyle/>
+          <a:p>
+            <a:pPr algn="ctr"/>
+            <a:endParaRPr lang="zh-CN" altLang="en-US" dirty="0"/>
+          </a:p>
+        </p:txBody>
+      </p:sp>
+      <p:sp>
+        <p:nvSpPr>
+          <p:cNvPr id="84" name="矩形 83">
+            <a:extLst>
+              <a:ext uri="{FF2B5EF4-FFF2-40B4-BE49-F238E27FC236}">
+                <a16:creationId xmlns:a16="http://schemas.microsoft.com/office/drawing/2014/main" id="{042C61E2-C6EF-4F1A-BB70-B2945BB51E91}"/>
+              </a:ext>
+            </a:extLst>
+          </p:cNvPr>
+          <p:cNvSpPr/>
+          <p:nvPr/>
+        </p:nvSpPr>
+        <p:spPr>
+          <a:xfrm>
+            <a:off x="8453335" y="2659224"/>
+            <a:ext cx="784691" cy="2521120"/>
+          </a:xfrm>
+          <a:prstGeom prst="rect">
+            <a:avLst/>
+          </a:prstGeom>
+        </p:spPr>
+        <p:style>
+          <a:lnRef idx="2">
+            <a:schemeClr val="accent1">
+              <a:shade val="50000"/>
+            </a:schemeClr>
+          </a:lnRef>
+          <a:fillRef idx="1">
+            <a:schemeClr val="accent1"/>
+          </a:fillRef>
+          <a:effectRef idx="0">
+            <a:schemeClr val="accent1"/>
+          </a:effectRef>
+          <a:fontRef idx="minor">
+            <a:schemeClr val="lt1"/>
+          </a:fontRef>
+        </p:style>
+        <p:txBody>
+          <a:bodyPr rtlCol="0" anchor="ctr"/>
+          <a:lstStyle/>
+          <a:p>
+            <a:pPr algn="ctr"/>
+            <a:endParaRPr lang="zh-CN" altLang="en-US"/>
+          </a:p>
+        </p:txBody>
+      </p:sp>
+    </p:spTree>
+    <p:extLst>
+      <p:ext uri="{BB962C8B-B14F-4D97-AF65-F5344CB8AC3E}">
+        <p14:creationId xmlns:p14="http://schemas.microsoft.com/office/powerpoint/2010/main" val="2543558421"/>
+      </p:ext>
+    </p:extLst>
+  </p:cSld>
+  <p:clrMapOvr>
+    <a:masterClrMapping/>
+  </p:clrMapOvr>
+</p:sld>
+</file>
+
+<file path=ppt/slides/slide5.xml><?xml version="1.0" encoding="utf-8"?>
+<p:sld xmlns:a="http://schemas.openxmlformats.org/drawingml/2006/main" xmlns:r="http://schemas.openxmlformats.org/officeDocument/2006/relationships" xmlns:p="http://schemas.openxmlformats.org/presentationml/2006/main">
+  <p:cSld>
+    <p:bg>
+      <p:bgPr>
+        <a:blipFill>
+          <a:blip r:embed="rId3"/>
+          <a:tile tx="0" ty="0" sx="100000" sy="100000" flip="none" algn="tl"/>
+        </a:blipFill>
+        <a:effectLst/>
+      </p:bgPr>
+    </p:bg>
+    <p:spTree>
+      <p:nvGrpSpPr>
+        <p:cNvPr id="1" name=""/>
+        <p:cNvGrpSpPr/>
+        <p:nvPr/>
+      </p:nvGrpSpPr>
+      <p:grpSpPr>
+        <a:xfrm>
+          <a:off x="0" y="0"/>
+          <a:ext cx="0" cy="0"/>
+          <a:chOff x="0" y="0"/>
+          <a:chExt cx="0" cy="0"/>
+        </a:xfrm>
+      </p:grpSpPr>
+      <p:sp>
+        <p:nvSpPr>
+          <p:cNvPr id="50" name="文本框 49">
+            <a:extLst>
+              <a:ext uri="{FF2B5EF4-FFF2-40B4-BE49-F238E27FC236}">
+                <a16:creationId xmlns:a16="http://schemas.microsoft.com/office/drawing/2014/main" id="{804153FC-8E1F-47DC-BB43-DDF5812D0DDC}"/>
+              </a:ext>
+            </a:extLst>
+          </p:cNvPr>
+          <p:cNvSpPr txBox="1"/>
+          <p:nvPr/>
+        </p:nvSpPr>
+        <p:spPr>
+          <a:xfrm>
+            <a:off x="3545382" y="1294524"/>
+            <a:ext cx="428018" cy="369332"/>
+          </a:xfrm>
+          <a:prstGeom prst="rect">
+            <a:avLst/>
+          </a:prstGeom>
+          <a:solidFill>
+            <a:schemeClr val="bg2"/>
+          </a:solidFill>
+          <a:ln>
+            <a:solidFill>
+              <a:srgbClr val="0070C0"/>
+            </a:solidFill>
+          </a:ln>
+        </p:spPr>
+        <p:txBody>
+          <a:bodyPr wrap="square" rtlCol="0">
+            <a:spAutoFit/>
+          </a:bodyPr>
+          <a:lstStyle/>
+          <a:p>
+            <a:pPr algn="ctr"/>
+            <a:r>
+              <a:rPr lang="en-US" altLang="zh-CN" dirty="0"/>
+              <a:t>1</a:t>
+            </a:r>
+            <a:endParaRPr lang="zh-CN" altLang="en-US" dirty="0"/>
+          </a:p>
+        </p:txBody>
+      </p:sp>
+      <p:sp>
+        <p:nvSpPr>
+          <p:cNvPr id="54" name="文本框 53">
+            <a:extLst>
+              <a:ext uri="{FF2B5EF4-FFF2-40B4-BE49-F238E27FC236}">
+                <a16:creationId xmlns:a16="http://schemas.microsoft.com/office/drawing/2014/main" id="{68582123-F516-4EA7-897D-BCD56D4771EE}"/>
+              </a:ext>
+            </a:extLst>
+          </p:cNvPr>
+          <p:cNvSpPr txBox="1"/>
+          <p:nvPr/>
+        </p:nvSpPr>
+        <p:spPr>
+          <a:xfrm>
+            <a:off x="4544089" y="1294524"/>
+            <a:ext cx="428018" cy="369332"/>
+          </a:xfrm>
+          <a:prstGeom prst="rect">
+            <a:avLst/>
+          </a:prstGeom>
+          <a:solidFill>
+            <a:schemeClr val="bg2"/>
+          </a:solidFill>
+          <a:ln>
+            <a:solidFill>
+              <a:srgbClr val="0070C0"/>
+            </a:solidFill>
+          </a:ln>
+        </p:spPr>
+        <p:txBody>
+          <a:bodyPr wrap="square" rtlCol="0">
+            <a:spAutoFit/>
+          </a:bodyPr>
+          <a:lstStyle/>
+          <a:p>
+            <a:pPr algn="ctr"/>
+            <a:r>
+              <a:rPr lang="en-US" altLang="zh-CN" dirty="0"/>
+              <a:t>3</a:t>
+            </a:r>
+            <a:endParaRPr lang="zh-CN" altLang="en-US" dirty="0"/>
+          </a:p>
+        </p:txBody>
+      </p:sp>
+      <p:sp>
+        <p:nvSpPr>
+          <p:cNvPr id="62" name="文本框 61">
+            <a:extLst>
+              <a:ext uri="{FF2B5EF4-FFF2-40B4-BE49-F238E27FC236}">
+                <a16:creationId xmlns:a16="http://schemas.microsoft.com/office/drawing/2014/main" id="{0359AA32-2CD0-4838-81C8-D7199D3947A4}"/>
+              </a:ext>
+            </a:extLst>
+          </p:cNvPr>
+          <p:cNvSpPr txBox="1"/>
+          <p:nvPr/>
+        </p:nvSpPr>
+        <p:spPr>
+          <a:xfrm>
+            <a:off x="5542796" y="1294524"/>
+            <a:ext cx="428018" cy="369332"/>
+          </a:xfrm>
+          <a:prstGeom prst="rect">
+            <a:avLst/>
+          </a:prstGeom>
+          <a:solidFill>
+            <a:schemeClr val="bg2"/>
+          </a:solidFill>
+          <a:ln>
+            <a:solidFill>
+              <a:srgbClr val="0070C0"/>
+            </a:solidFill>
+          </a:ln>
+        </p:spPr>
+        <p:txBody>
+          <a:bodyPr wrap="square" rtlCol="0">
+            <a:spAutoFit/>
+          </a:bodyPr>
+          <a:lstStyle/>
+          <a:p>
+            <a:pPr algn="ctr"/>
+            <a:r>
+              <a:rPr lang="en-US" altLang="zh-CN" dirty="0"/>
+              <a:t>4</a:t>
+            </a:r>
+            <a:endParaRPr lang="zh-CN" altLang="en-US" dirty="0"/>
+          </a:p>
+        </p:txBody>
+      </p:sp>
+      <p:cxnSp>
+        <p:nvCxnSpPr>
+          <p:cNvPr id="63" name="直接连接符 62">
+            <a:extLst>
+              <a:ext uri="{FF2B5EF4-FFF2-40B4-BE49-F238E27FC236}">
+                <a16:creationId xmlns:a16="http://schemas.microsoft.com/office/drawing/2014/main" id="{81E9F0C1-4DFD-4CAC-907F-928A63B9A3BF}"/>
+              </a:ext>
+            </a:extLst>
+          </p:cNvPr>
+          <p:cNvCxnSpPr>
+            <a:stCxn id="50" idx="3"/>
+            <a:endCxn id="54" idx="1"/>
+          </p:cNvCxnSpPr>
+          <p:nvPr/>
+        </p:nvCxnSpPr>
+        <p:spPr>
+          <a:xfrm>
+            <a:off x="3973400" y="1479190"/>
+            <a:ext cx="570689" cy="0"/>
+          </a:xfrm>
+          <a:prstGeom prst="line">
+            <a:avLst/>
+          </a:prstGeom>
+          <a:ln w="9525" cap="flat" cmpd="sng" algn="ctr">
+            <a:solidFill>
+              <a:schemeClr val="dk1"/>
+            </a:solidFill>
+            <a:prstDash val="solid"/>
+            <a:round/>
+            <a:headEnd type="none" w="med" len="med"/>
+            <a:tailEnd type="arrow" w="med" len="med"/>
+          </a:ln>
+        </p:spPr>
+        <p:style>
+          <a:lnRef idx="0">
+            <a:scrgbClr r="0" g="0" b="0"/>
+          </a:lnRef>
+          <a:fillRef idx="0">
+            <a:scrgbClr r="0" g="0" b="0"/>
+          </a:fillRef>
+          <a:effectRef idx="0">
+            <a:scrgbClr r="0" g="0" b="0"/>
+          </a:effectRef>
+          <a:fontRef idx="minor">
+            <a:schemeClr val="tx1"/>
+          </a:fontRef>
+        </p:style>
+      </p:cxnSp>
+      <p:cxnSp>
+        <p:nvCxnSpPr>
+          <p:cNvPr id="65" name="直接连接符 64">
+            <a:extLst>
+              <a:ext uri="{FF2B5EF4-FFF2-40B4-BE49-F238E27FC236}">
+                <a16:creationId xmlns:a16="http://schemas.microsoft.com/office/drawing/2014/main" id="{C5D77FCA-3DFA-466A-B755-F1FAC6C6D6BB}"/>
+              </a:ext>
+            </a:extLst>
+          </p:cNvPr>
+          <p:cNvCxnSpPr>
+            <a:cxnSpLocks/>
+          </p:cNvCxnSpPr>
+          <p:nvPr/>
+        </p:nvCxnSpPr>
+        <p:spPr>
+          <a:xfrm>
+            <a:off x="4972105" y="1479190"/>
+            <a:ext cx="570691" cy="0"/>
+          </a:xfrm>
+          <a:prstGeom prst="line">
+            <a:avLst/>
+          </a:prstGeom>
+          <a:ln w="9525" cap="flat" cmpd="sng" algn="ctr">
+            <a:solidFill>
+              <a:schemeClr val="dk1"/>
+            </a:solidFill>
+            <a:prstDash val="solid"/>
+            <a:round/>
+            <a:headEnd type="none" w="med" len="med"/>
+            <a:tailEnd type="arrow" w="med" len="med"/>
+          </a:ln>
+        </p:spPr>
+        <p:style>
+          <a:lnRef idx="0">
+            <a:scrgbClr r="0" g="0" b="0"/>
+          </a:lnRef>
+          <a:fillRef idx="0">
+            <a:scrgbClr r="0" g="0" b="0"/>
+          </a:fillRef>
+          <a:effectRef idx="0">
+            <a:scrgbClr r="0" g="0" b="0"/>
+          </a:effectRef>
+          <a:fontRef idx="minor">
+            <a:schemeClr val="tx1"/>
+          </a:fontRef>
+        </p:style>
+      </p:cxnSp>
+      <p:sp>
+        <p:nvSpPr>
+          <p:cNvPr id="71" name="文本框 70">
+            <a:extLst>
+              <a:ext uri="{FF2B5EF4-FFF2-40B4-BE49-F238E27FC236}">
+                <a16:creationId xmlns:a16="http://schemas.microsoft.com/office/drawing/2014/main" id="{E098289C-0A0E-4397-9769-4FD8E16BA8C0}"/>
+              </a:ext>
+            </a:extLst>
+          </p:cNvPr>
+          <p:cNvSpPr txBox="1"/>
+          <p:nvPr/>
+        </p:nvSpPr>
+        <p:spPr>
+          <a:xfrm>
+            <a:off x="6541503" y="1294524"/>
+            <a:ext cx="428018" cy="369332"/>
+          </a:xfrm>
+          <a:prstGeom prst="rect">
+            <a:avLst/>
+          </a:prstGeom>
+          <a:solidFill>
+            <a:schemeClr val="bg2"/>
+          </a:solidFill>
+          <a:ln>
+            <a:solidFill>
+              <a:srgbClr val="0070C0"/>
+            </a:solidFill>
+          </a:ln>
+        </p:spPr>
+        <p:txBody>
+          <a:bodyPr wrap="square" rtlCol="0">
+            <a:spAutoFit/>
+          </a:bodyPr>
+          <a:lstStyle/>
+          <a:p>
+            <a:pPr algn="ctr"/>
+            <a:r>
+              <a:rPr lang="en-US" altLang="zh-CN" dirty="0"/>
+              <a:t>6</a:t>
+            </a:r>
+            <a:endParaRPr lang="zh-CN" altLang="en-US" dirty="0"/>
+          </a:p>
+        </p:txBody>
+      </p:sp>
+      <p:cxnSp>
+        <p:nvCxnSpPr>
+          <p:cNvPr id="76" name="直接连接符 75">
+            <a:extLst>
+              <a:ext uri="{FF2B5EF4-FFF2-40B4-BE49-F238E27FC236}">
+                <a16:creationId xmlns:a16="http://schemas.microsoft.com/office/drawing/2014/main" id="{0FB24C0C-317A-4AF7-93FD-A9157F70A1B9}"/>
+              </a:ext>
+            </a:extLst>
+          </p:cNvPr>
+          <p:cNvCxnSpPr>
+            <a:cxnSpLocks/>
+          </p:cNvCxnSpPr>
+          <p:nvPr/>
+        </p:nvCxnSpPr>
+        <p:spPr>
+          <a:xfrm>
+            <a:off x="5970812" y="1485516"/>
+            <a:ext cx="570691" cy="0"/>
+          </a:xfrm>
+          <a:prstGeom prst="line">
+            <a:avLst/>
+          </a:prstGeom>
+          <a:ln w="9525" cap="flat" cmpd="sng" algn="ctr">
+            <a:solidFill>
+              <a:schemeClr val="dk1"/>
+            </a:solidFill>
+            <a:prstDash val="solid"/>
+            <a:round/>
+            <a:headEnd type="none" w="med" len="med"/>
+            <a:tailEnd type="arrow" w="med" len="med"/>
+          </a:ln>
+        </p:spPr>
+        <p:style>
+          <a:lnRef idx="0">
+            <a:scrgbClr r="0" g="0" b="0"/>
+          </a:lnRef>
+          <a:fillRef idx="0">
+            <a:scrgbClr r="0" g="0" b="0"/>
+          </a:fillRef>
+          <a:effectRef idx="0">
+            <a:scrgbClr r="0" g="0" b="0"/>
+          </a:effectRef>
+          <a:fontRef idx="minor">
+            <a:schemeClr val="tx1"/>
+          </a:fontRef>
+        </p:style>
+      </p:cxnSp>
+      <p:sp>
+        <p:nvSpPr>
+          <p:cNvPr id="79" name="文本框 78">
+            <a:extLst>
+              <a:ext uri="{FF2B5EF4-FFF2-40B4-BE49-F238E27FC236}">
+                <a16:creationId xmlns:a16="http://schemas.microsoft.com/office/drawing/2014/main" id="{B38B2EA6-06A0-47A9-BB45-13AF3826F39A}"/>
+              </a:ext>
+            </a:extLst>
+          </p:cNvPr>
+          <p:cNvSpPr txBox="1"/>
+          <p:nvPr/>
+        </p:nvSpPr>
+        <p:spPr>
+          <a:xfrm>
+            <a:off x="7540210" y="1294524"/>
+            <a:ext cx="545742" cy="369332"/>
+          </a:xfrm>
+          <a:prstGeom prst="rect">
+            <a:avLst/>
+          </a:prstGeom>
+          <a:solidFill>
+            <a:schemeClr val="bg2"/>
+          </a:solidFill>
+          <a:ln>
+            <a:solidFill>
+              <a:srgbClr val="0070C0"/>
+            </a:solidFill>
+          </a:ln>
+        </p:spPr>
+        <p:txBody>
+          <a:bodyPr wrap="square" rtlCol="0">
+            <a:spAutoFit/>
+          </a:bodyPr>
+          <a:lstStyle/>
+          <a:p>
+            <a:pPr algn="ctr"/>
+            <a:r>
+              <a:rPr lang="en-US" altLang="zh-CN" dirty="0"/>
+              <a:t>null</a:t>
+            </a:r>
+            <a:endParaRPr lang="zh-CN" altLang="en-US" dirty="0"/>
+          </a:p>
+        </p:txBody>
+      </p:sp>
+      <p:sp>
+        <p:nvSpPr>
+          <p:cNvPr id="81" name="文本框 80">
+            <a:extLst>
+              <a:ext uri="{FF2B5EF4-FFF2-40B4-BE49-F238E27FC236}">
+                <a16:creationId xmlns:a16="http://schemas.microsoft.com/office/drawing/2014/main" id="{63076332-24DF-4B05-80EB-8E3B203E82F2}"/>
+              </a:ext>
+            </a:extLst>
+          </p:cNvPr>
+          <p:cNvSpPr txBox="1"/>
+          <p:nvPr/>
+        </p:nvSpPr>
+        <p:spPr>
+          <a:xfrm>
+            <a:off x="6416316" y="645030"/>
+            <a:ext cx="678391" cy="369332"/>
+          </a:xfrm>
+          <a:prstGeom prst="rect">
+            <a:avLst/>
+          </a:prstGeom>
+          <a:noFill/>
+        </p:spPr>
+        <p:txBody>
+          <a:bodyPr wrap="none" rtlCol="0">
+            <a:spAutoFit/>
+          </a:bodyPr>
+          <a:lstStyle/>
+          <a:p>
+            <a:r>
+              <a:rPr lang="en-US" altLang="zh-CN" dirty="0"/>
+              <a:t>head</a:t>
+            </a:r>
+            <a:endParaRPr lang="zh-CN" altLang="en-US" dirty="0"/>
+          </a:p>
+        </p:txBody>
+      </p:sp>
+      <p:cxnSp>
+        <p:nvCxnSpPr>
+          <p:cNvPr id="82" name="直接连接符 81">
+            <a:extLst>
+              <a:ext uri="{FF2B5EF4-FFF2-40B4-BE49-F238E27FC236}">
+                <a16:creationId xmlns:a16="http://schemas.microsoft.com/office/drawing/2014/main" id="{1E513D80-A2DB-4075-8E57-D57370130D9E}"/>
+              </a:ext>
+            </a:extLst>
+          </p:cNvPr>
+          <p:cNvCxnSpPr>
+            <a:cxnSpLocks/>
+          </p:cNvCxnSpPr>
+          <p:nvPr/>
+        </p:nvCxnSpPr>
+        <p:spPr>
+          <a:xfrm>
+            <a:off x="6969521" y="1482313"/>
+            <a:ext cx="570691" cy="0"/>
+          </a:xfrm>
+          <a:prstGeom prst="line">
+            <a:avLst/>
+          </a:prstGeom>
+          <a:ln w="9525" cap="flat" cmpd="sng" algn="ctr">
+            <a:solidFill>
+              <a:schemeClr val="dk1"/>
+            </a:solidFill>
+            <a:prstDash val="solid"/>
+            <a:round/>
+            <a:headEnd type="none" w="med" len="med"/>
+            <a:tailEnd type="arrow" w="med" len="med"/>
+          </a:ln>
+        </p:spPr>
+        <p:style>
+          <a:lnRef idx="0">
+            <a:scrgbClr r="0" g="0" b="0"/>
+          </a:lnRef>
+          <a:fillRef idx="0">
+            <a:scrgbClr r="0" g="0" b="0"/>
+          </a:fillRef>
+          <a:effectRef idx="0">
+            <a:scrgbClr r="0" g="0" b="0"/>
+          </a:effectRef>
+          <a:fontRef idx="minor">
+            <a:schemeClr val="tx1"/>
+          </a:fontRef>
+        </p:style>
+      </p:cxnSp>
+      <p:sp>
+        <p:nvSpPr>
+          <p:cNvPr id="3" name="文本框 2">
+            <a:extLst>
+              <a:ext uri="{FF2B5EF4-FFF2-40B4-BE49-F238E27FC236}">
+                <a16:creationId xmlns:a16="http://schemas.microsoft.com/office/drawing/2014/main" id="{908E769F-9067-44C6-A3A7-EBA4BEF6578B}"/>
+              </a:ext>
+            </a:extLst>
+          </p:cNvPr>
+          <p:cNvSpPr txBox="1"/>
+          <p:nvPr/>
+        </p:nvSpPr>
+        <p:spPr>
+          <a:xfrm>
+            <a:off x="6256157" y="275698"/>
+            <a:ext cx="1119217" cy="369332"/>
+          </a:xfrm>
+          <a:prstGeom prst="rect">
+            <a:avLst/>
+          </a:prstGeom>
+          <a:noFill/>
+        </p:spPr>
+        <p:txBody>
+          <a:bodyPr wrap="none" rtlCol="0">
+            <a:spAutoFit/>
+          </a:bodyPr>
+          <a:lstStyle/>
+          <a:p>
+            <a:r>
+              <a:rPr lang="en-US" altLang="zh-CN" dirty="0" err="1"/>
+              <a:t>newHead</a:t>
+            </a:r>
+            <a:endParaRPr lang="zh-CN" altLang="en-US" dirty="0"/>
+          </a:p>
+        </p:txBody>
+      </p:sp>
+      <p:sp>
+        <p:nvSpPr>
+          <p:cNvPr id="86" name="文本框 85">
+            <a:extLst>
+              <a:ext uri="{FF2B5EF4-FFF2-40B4-BE49-F238E27FC236}">
+                <a16:creationId xmlns:a16="http://schemas.microsoft.com/office/drawing/2014/main" id="{9A18CBA2-10AC-4FE8-823D-F687E0D54350}"/>
+              </a:ext>
+            </a:extLst>
+          </p:cNvPr>
+          <p:cNvSpPr txBox="1"/>
+          <p:nvPr/>
+        </p:nvSpPr>
+        <p:spPr>
+          <a:xfrm>
+            <a:off x="3670568" y="2985013"/>
+            <a:ext cx="428018" cy="369332"/>
+          </a:xfrm>
+          <a:prstGeom prst="rect">
+            <a:avLst/>
+          </a:prstGeom>
+          <a:solidFill>
+            <a:schemeClr val="bg2"/>
+          </a:solidFill>
+          <a:ln>
+            <a:solidFill>
+              <a:srgbClr val="0070C0"/>
+            </a:solidFill>
+          </a:ln>
+        </p:spPr>
+        <p:txBody>
+          <a:bodyPr wrap="square" rtlCol="0">
+            <a:spAutoFit/>
+          </a:bodyPr>
+          <a:lstStyle/>
+          <a:p>
+            <a:pPr algn="ctr"/>
+            <a:r>
+              <a:rPr lang="en-US" altLang="zh-CN" dirty="0"/>
+              <a:t>1</a:t>
+            </a:r>
+            <a:endParaRPr lang="zh-CN" altLang="en-US" dirty="0"/>
+          </a:p>
+        </p:txBody>
+      </p:sp>
+      <p:sp>
+        <p:nvSpPr>
+          <p:cNvPr id="87" name="文本框 86">
+            <a:extLst>
+              <a:ext uri="{FF2B5EF4-FFF2-40B4-BE49-F238E27FC236}">
+                <a16:creationId xmlns:a16="http://schemas.microsoft.com/office/drawing/2014/main" id="{DEE4B8A3-612E-410C-8D36-A5E80D7F7C54}"/>
+              </a:ext>
+            </a:extLst>
+          </p:cNvPr>
+          <p:cNvSpPr txBox="1"/>
+          <p:nvPr/>
+        </p:nvSpPr>
+        <p:spPr>
+          <a:xfrm>
+            <a:off x="4669275" y="2985013"/>
+            <a:ext cx="428018" cy="369332"/>
+          </a:xfrm>
+          <a:prstGeom prst="rect">
+            <a:avLst/>
+          </a:prstGeom>
+          <a:solidFill>
+            <a:schemeClr val="bg2"/>
+          </a:solidFill>
+          <a:ln>
+            <a:solidFill>
+              <a:srgbClr val="0070C0"/>
+            </a:solidFill>
+          </a:ln>
+        </p:spPr>
+        <p:txBody>
+          <a:bodyPr wrap="square" rtlCol="0">
+            <a:spAutoFit/>
+          </a:bodyPr>
+          <a:lstStyle/>
+          <a:p>
+            <a:pPr algn="ctr"/>
+            <a:r>
+              <a:rPr lang="en-US" altLang="zh-CN" dirty="0"/>
+              <a:t>3</a:t>
+            </a:r>
+            <a:endParaRPr lang="zh-CN" altLang="en-US" dirty="0"/>
+          </a:p>
+        </p:txBody>
+      </p:sp>
+      <p:sp>
+        <p:nvSpPr>
+          <p:cNvPr id="88" name="文本框 87">
+            <a:extLst>
+              <a:ext uri="{FF2B5EF4-FFF2-40B4-BE49-F238E27FC236}">
+                <a16:creationId xmlns:a16="http://schemas.microsoft.com/office/drawing/2014/main" id="{A62B76E3-C16B-4F01-A20E-53259ADE588C}"/>
+              </a:ext>
+            </a:extLst>
+          </p:cNvPr>
+          <p:cNvSpPr txBox="1"/>
+          <p:nvPr/>
+        </p:nvSpPr>
+        <p:spPr>
+          <a:xfrm>
+            <a:off x="5667982" y="2985013"/>
+            <a:ext cx="428018" cy="369332"/>
+          </a:xfrm>
+          <a:prstGeom prst="rect">
+            <a:avLst/>
+          </a:prstGeom>
+          <a:solidFill>
+            <a:schemeClr val="bg2"/>
+          </a:solidFill>
+          <a:ln>
+            <a:solidFill>
+              <a:srgbClr val="0070C0"/>
+            </a:solidFill>
+          </a:ln>
+        </p:spPr>
+        <p:txBody>
+          <a:bodyPr wrap="square" rtlCol="0">
+            <a:spAutoFit/>
+          </a:bodyPr>
+          <a:lstStyle/>
+          <a:p>
+            <a:pPr algn="ctr"/>
+            <a:r>
+              <a:rPr lang="en-US" altLang="zh-CN" dirty="0"/>
+              <a:t>4</a:t>
+            </a:r>
+            <a:endParaRPr lang="zh-CN" altLang="en-US" dirty="0"/>
+          </a:p>
+        </p:txBody>
+      </p:sp>
+      <p:cxnSp>
+        <p:nvCxnSpPr>
+          <p:cNvPr id="89" name="直接连接符 88">
+            <a:extLst>
+              <a:ext uri="{FF2B5EF4-FFF2-40B4-BE49-F238E27FC236}">
+                <a16:creationId xmlns:a16="http://schemas.microsoft.com/office/drawing/2014/main" id="{1DF459F3-7699-48A7-829D-602853DE756E}"/>
+              </a:ext>
+            </a:extLst>
+          </p:cNvPr>
+          <p:cNvCxnSpPr>
+            <a:stCxn id="86" idx="3"/>
+            <a:endCxn id="87" idx="1"/>
+          </p:cNvCxnSpPr>
+          <p:nvPr/>
+        </p:nvCxnSpPr>
+        <p:spPr>
+          <a:xfrm>
+            <a:off x="4098586" y="3169679"/>
+            <a:ext cx="570689" cy="0"/>
+          </a:xfrm>
+          <a:prstGeom prst="line">
+            <a:avLst/>
+          </a:prstGeom>
+          <a:ln w="9525" cap="flat" cmpd="sng" algn="ctr">
+            <a:solidFill>
+              <a:schemeClr val="dk1"/>
+            </a:solidFill>
+            <a:prstDash val="solid"/>
+            <a:round/>
+            <a:headEnd type="none" w="med" len="med"/>
+            <a:tailEnd type="arrow" w="med" len="med"/>
+          </a:ln>
+        </p:spPr>
+        <p:style>
+          <a:lnRef idx="0">
+            <a:scrgbClr r="0" g="0" b="0"/>
+          </a:lnRef>
+          <a:fillRef idx="0">
+            <a:scrgbClr r="0" g="0" b="0"/>
+          </a:fillRef>
+          <a:effectRef idx="0">
+            <a:scrgbClr r="0" g="0" b="0"/>
+          </a:effectRef>
+          <a:fontRef idx="minor">
+            <a:schemeClr val="tx1"/>
+          </a:fontRef>
+        </p:style>
+      </p:cxnSp>
+      <p:cxnSp>
+        <p:nvCxnSpPr>
+          <p:cNvPr id="90" name="直接连接符 89">
+            <a:extLst>
+              <a:ext uri="{FF2B5EF4-FFF2-40B4-BE49-F238E27FC236}">
+                <a16:creationId xmlns:a16="http://schemas.microsoft.com/office/drawing/2014/main" id="{612B4D80-239B-4F3C-8B57-B17AA8DD94BD}"/>
+              </a:ext>
+            </a:extLst>
+          </p:cNvPr>
+          <p:cNvCxnSpPr>
+            <a:cxnSpLocks/>
+          </p:cNvCxnSpPr>
+          <p:nvPr/>
+        </p:nvCxnSpPr>
+        <p:spPr>
+          <a:xfrm>
+            <a:off x="5097291" y="3169679"/>
+            <a:ext cx="570691" cy="0"/>
+          </a:xfrm>
+          <a:prstGeom prst="line">
+            <a:avLst/>
+          </a:prstGeom>
+          <a:ln w="9525" cap="flat" cmpd="sng" algn="ctr">
+            <a:solidFill>
+              <a:schemeClr val="dk1"/>
+            </a:solidFill>
+            <a:prstDash val="solid"/>
+            <a:round/>
+            <a:headEnd type="none" w="med" len="med"/>
+            <a:tailEnd type="arrow" w="med" len="med"/>
+          </a:ln>
+        </p:spPr>
+        <p:style>
+          <a:lnRef idx="0">
+            <a:scrgbClr r="0" g="0" b="0"/>
+          </a:lnRef>
+          <a:fillRef idx="0">
+            <a:scrgbClr r="0" g="0" b="0"/>
+          </a:fillRef>
+          <a:effectRef idx="0">
+            <a:scrgbClr r="0" g="0" b="0"/>
+          </a:effectRef>
+          <a:fontRef idx="minor">
+            <a:schemeClr val="tx1"/>
+          </a:fontRef>
+        </p:style>
+      </p:cxnSp>
+      <p:sp>
+        <p:nvSpPr>
+          <p:cNvPr id="91" name="文本框 90">
+            <a:extLst>
+              <a:ext uri="{FF2B5EF4-FFF2-40B4-BE49-F238E27FC236}">
+                <a16:creationId xmlns:a16="http://schemas.microsoft.com/office/drawing/2014/main" id="{BCD7A57D-632E-41CA-99C1-8BB18A28224A}"/>
+              </a:ext>
+            </a:extLst>
+          </p:cNvPr>
+          <p:cNvSpPr txBox="1"/>
+          <p:nvPr/>
+        </p:nvSpPr>
+        <p:spPr>
+          <a:xfrm>
+            <a:off x="6666689" y="2985013"/>
+            <a:ext cx="428018" cy="369332"/>
+          </a:xfrm>
+          <a:prstGeom prst="rect">
+            <a:avLst/>
+          </a:prstGeom>
+          <a:solidFill>
+            <a:schemeClr val="bg2"/>
+          </a:solidFill>
+          <a:ln>
+            <a:solidFill>
+              <a:srgbClr val="0070C0"/>
+            </a:solidFill>
+          </a:ln>
+        </p:spPr>
+        <p:txBody>
+          <a:bodyPr wrap="square" rtlCol="0">
+            <a:spAutoFit/>
+          </a:bodyPr>
+          <a:lstStyle/>
+          <a:p>
+            <a:pPr algn="ctr"/>
+            <a:r>
+              <a:rPr lang="en-US" altLang="zh-CN" dirty="0"/>
+              <a:t>6</a:t>
+            </a:r>
+            <a:endParaRPr lang="zh-CN" altLang="en-US" dirty="0"/>
+          </a:p>
+        </p:txBody>
+      </p:sp>
+      <p:sp>
+        <p:nvSpPr>
+          <p:cNvPr id="93" name="文本框 92">
+            <a:extLst>
+              <a:ext uri="{FF2B5EF4-FFF2-40B4-BE49-F238E27FC236}">
+                <a16:creationId xmlns:a16="http://schemas.microsoft.com/office/drawing/2014/main" id="{E1ED4F03-ADA9-4E2B-AF77-51E818AC9D29}"/>
+              </a:ext>
+            </a:extLst>
+          </p:cNvPr>
+          <p:cNvSpPr txBox="1"/>
+          <p:nvPr/>
+        </p:nvSpPr>
+        <p:spPr>
+          <a:xfrm>
+            <a:off x="6622356" y="3819173"/>
+            <a:ext cx="545742" cy="369332"/>
+          </a:xfrm>
+          <a:prstGeom prst="rect">
+            <a:avLst/>
+          </a:prstGeom>
+          <a:solidFill>
+            <a:schemeClr val="bg2"/>
+          </a:solidFill>
+          <a:ln>
+            <a:solidFill>
+              <a:srgbClr val="0070C0"/>
+            </a:solidFill>
+          </a:ln>
+        </p:spPr>
+        <p:txBody>
+          <a:bodyPr wrap="square" rtlCol="0">
+            <a:spAutoFit/>
+          </a:bodyPr>
+          <a:lstStyle/>
+          <a:p>
+            <a:pPr algn="ctr"/>
+            <a:r>
+              <a:rPr lang="en-US" altLang="zh-CN" dirty="0"/>
+              <a:t>null</a:t>
+            </a:r>
+            <a:endParaRPr lang="zh-CN" altLang="en-US" dirty="0"/>
+          </a:p>
+        </p:txBody>
+      </p:sp>
+      <p:sp>
+        <p:nvSpPr>
+          <p:cNvPr id="94" name="文本框 93">
+            <a:extLst>
+              <a:ext uri="{FF2B5EF4-FFF2-40B4-BE49-F238E27FC236}">
+                <a16:creationId xmlns:a16="http://schemas.microsoft.com/office/drawing/2014/main" id="{EFCC207E-9383-444F-8F58-76E7EDBC0310}"/>
+              </a:ext>
+            </a:extLst>
+          </p:cNvPr>
+          <p:cNvSpPr txBox="1"/>
+          <p:nvPr/>
+        </p:nvSpPr>
+        <p:spPr>
+          <a:xfrm>
+            <a:off x="5577766" y="2396187"/>
+            <a:ext cx="678391" cy="369332"/>
+          </a:xfrm>
+          <a:prstGeom prst="rect">
+            <a:avLst/>
+          </a:prstGeom>
+          <a:noFill/>
+        </p:spPr>
+        <p:txBody>
+          <a:bodyPr wrap="none" rtlCol="0">
+            <a:spAutoFit/>
+          </a:bodyPr>
+          <a:lstStyle/>
+          <a:p>
+            <a:r>
+              <a:rPr lang="en-US" altLang="zh-CN" dirty="0"/>
+              <a:t>head</a:t>
+            </a:r>
+            <a:endParaRPr lang="zh-CN" altLang="en-US" dirty="0"/>
+          </a:p>
+        </p:txBody>
+      </p:sp>
+      <p:sp>
+        <p:nvSpPr>
+          <p:cNvPr id="96" name="文本框 95">
+            <a:extLst>
+              <a:ext uri="{FF2B5EF4-FFF2-40B4-BE49-F238E27FC236}">
+                <a16:creationId xmlns:a16="http://schemas.microsoft.com/office/drawing/2014/main" id="{83B9EB19-1DDC-41FA-BC83-1A574AF74F5F}"/>
+              </a:ext>
+            </a:extLst>
+          </p:cNvPr>
+          <p:cNvSpPr txBox="1"/>
+          <p:nvPr/>
+        </p:nvSpPr>
+        <p:spPr>
+          <a:xfrm>
+            <a:off x="6381343" y="1966187"/>
+            <a:ext cx="1119217" cy="369332"/>
+          </a:xfrm>
+          <a:prstGeom prst="rect">
+            <a:avLst/>
+          </a:prstGeom>
+          <a:noFill/>
+        </p:spPr>
+        <p:txBody>
+          <a:bodyPr wrap="none" rtlCol="0">
+            <a:spAutoFit/>
+          </a:bodyPr>
+          <a:lstStyle/>
+          <a:p>
+            <a:r>
+              <a:rPr lang="en-US" altLang="zh-CN" dirty="0" err="1"/>
+              <a:t>newHead</a:t>
+            </a:r>
+            <a:endParaRPr lang="zh-CN" altLang="en-US" dirty="0"/>
+          </a:p>
+        </p:txBody>
+      </p:sp>
+      <p:cxnSp>
+        <p:nvCxnSpPr>
+          <p:cNvPr id="6" name="连接符: 肘形 5">
+            <a:extLst>
+              <a:ext uri="{FF2B5EF4-FFF2-40B4-BE49-F238E27FC236}">
+                <a16:creationId xmlns:a16="http://schemas.microsoft.com/office/drawing/2014/main" id="{8730E7E9-6892-4483-A5F0-D7632291A266}"/>
+              </a:ext>
+            </a:extLst>
+          </p:cNvPr>
+          <p:cNvCxnSpPr>
+            <a:stCxn id="91" idx="3"/>
+            <a:endCxn id="88" idx="2"/>
+          </p:cNvCxnSpPr>
+          <p:nvPr/>
+        </p:nvCxnSpPr>
+        <p:spPr>
+          <a:xfrm flipH="1">
+            <a:off x="5881991" y="3169679"/>
+            <a:ext cx="1212716" cy="184666"/>
+          </a:xfrm>
+          <a:prstGeom prst="bentConnector4">
+            <a:avLst>
+              <a:gd name="adj1" fmla="val -18850"/>
+              <a:gd name="adj2" fmla="val 223791"/>
+            </a:avLst>
+          </a:prstGeom>
+          <a:ln>
+            <a:solidFill>
+              <a:srgbClr val="FF0000"/>
+            </a:solidFill>
+            <a:tailEnd type="triangle"/>
+          </a:ln>
+        </p:spPr>
+        <p:style>
+          <a:lnRef idx="1">
+            <a:schemeClr val="accent1"/>
+          </a:lnRef>
+          <a:fillRef idx="0">
+            <a:schemeClr val="accent1"/>
+          </a:fillRef>
+          <a:effectRef idx="0">
+            <a:schemeClr val="accent1"/>
+          </a:effectRef>
+          <a:fontRef idx="minor">
+            <a:schemeClr val="tx1"/>
+          </a:fontRef>
+        </p:style>
+      </p:cxnSp>
+      <p:cxnSp>
+        <p:nvCxnSpPr>
+          <p:cNvPr id="8" name="连接符: 肘形 7">
+            <a:extLst>
+              <a:ext uri="{FF2B5EF4-FFF2-40B4-BE49-F238E27FC236}">
+                <a16:creationId xmlns:a16="http://schemas.microsoft.com/office/drawing/2014/main" id="{7662C739-B53D-4A78-98E8-EB75FB1DA82C}"/>
+              </a:ext>
+            </a:extLst>
+          </p:cNvPr>
+          <p:cNvCxnSpPr>
+            <a:stCxn id="88" idx="3"/>
+            <a:endCxn id="93" idx="1"/>
+          </p:cNvCxnSpPr>
+          <p:nvPr/>
+        </p:nvCxnSpPr>
+        <p:spPr>
+          <a:xfrm>
+            <a:off x="6096000" y="3169679"/>
+            <a:ext cx="526356" cy="834160"/>
+          </a:xfrm>
+          <a:prstGeom prst="bentConnector3">
+            <a:avLst/>
+          </a:prstGeom>
+          <a:ln>
+            <a:solidFill>
+              <a:schemeClr val="tx1"/>
+            </a:solidFill>
+            <a:tailEnd type="triangle"/>
+          </a:ln>
+        </p:spPr>
+        <p:style>
+          <a:lnRef idx="1">
+            <a:schemeClr val="accent1"/>
+          </a:lnRef>
+          <a:fillRef idx="0">
+            <a:schemeClr val="accent1"/>
+          </a:fillRef>
+          <a:effectRef idx="0">
+            <a:schemeClr val="accent1"/>
+          </a:effectRef>
+          <a:fontRef idx="minor">
+            <a:schemeClr val="tx1"/>
+          </a:fontRef>
+        </p:style>
+      </p:cxnSp>
+      <p:cxnSp>
+        <p:nvCxnSpPr>
+          <p:cNvPr id="10" name="直接箭头连接符 9">
+            <a:extLst>
+              <a:ext uri="{FF2B5EF4-FFF2-40B4-BE49-F238E27FC236}">
+                <a16:creationId xmlns:a16="http://schemas.microsoft.com/office/drawing/2014/main" id="{EF5648CB-0910-43F9-AC67-9F68134060E4}"/>
+              </a:ext>
+            </a:extLst>
+          </p:cNvPr>
+          <p:cNvCxnSpPr>
+            <a:stCxn id="96" idx="2"/>
+            <a:endCxn id="91" idx="0"/>
+          </p:cNvCxnSpPr>
+          <p:nvPr/>
+        </p:nvCxnSpPr>
+        <p:spPr>
+          <a:xfrm flipH="1">
+            <a:off x="6880698" y="2335519"/>
+            <a:ext cx="60254" cy="649494"/>
+          </a:xfrm>
+          <a:prstGeom prst="straightConnector1">
+            <a:avLst/>
+          </a:prstGeom>
+          <a:ln>
+            <a:solidFill>
+              <a:srgbClr val="FF0000"/>
+            </a:solidFill>
+            <a:tailEnd type="triangle"/>
+          </a:ln>
+        </p:spPr>
+        <p:style>
+          <a:lnRef idx="1">
+            <a:schemeClr val="accent1"/>
+          </a:lnRef>
+          <a:fillRef idx="0">
+            <a:schemeClr val="accent1"/>
+          </a:fillRef>
+          <a:effectRef idx="0">
+            <a:schemeClr val="accent1"/>
+          </a:effectRef>
+          <a:fontRef idx="minor">
+            <a:schemeClr val="tx1"/>
+          </a:fontRef>
+        </p:style>
+      </p:cxnSp>
+      <p:cxnSp>
+        <p:nvCxnSpPr>
+          <p:cNvPr id="12" name="直接箭头连接符 11">
+            <a:extLst>
+              <a:ext uri="{FF2B5EF4-FFF2-40B4-BE49-F238E27FC236}">
+                <a16:creationId xmlns:a16="http://schemas.microsoft.com/office/drawing/2014/main" id="{3C5AF5B3-565B-4B58-9C27-4C7AEDD94A93}"/>
+              </a:ext>
+            </a:extLst>
+          </p:cNvPr>
+          <p:cNvCxnSpPr>
+            <a:stCxn id="94" idx="2"/>
+            <a:endCxn id="88" idx="0"/>
+          </p:cNvCxnSpPr>
+          <p:nvPr/>
+        </p:nvCxnSpPr>
+        <p:spPr>
+          <a:xfrm flipH="1">
+            <a:off x="5881991" y="2765519"/>
+            <a:ext cx="34971" cy="219494"/>
+          </a:xfrm>
+          <a:prstGeom prst="straightConnector1">
+            <a:avLst/>
+          </a:prstGeom>
+          <a:ln>
+            <a:solidFill>
+              <a:srgbClr val="FF0000"/>
+            </a:solidFill>
+            <a:tailEnd type="triangle"/>
+          </a:ln>
+        </p:spPr>
+        <p:style>
+          <a:lnRef idx="1">
+            <a:schemeClr val="accent1"/>
+          </a:lnRef>
+          <a:fillRef idx="0">
+            <a:schemeClr val="accent1"/>
+          </a:fillRef>
+          <a:effectRef idx="0">
+            <a:schemeClr val="accent1"/>
+          </a:effectRef>
+          <a:fontRef idx="minor">
+            <a:schemeClr val="tx1"/>
+          </a:fontRef>
+        </p:style>
+      </p:cxnSp>
+      <p:sp>
+        <p:nvSpPr>
+          <p:cNvPr id="97" name="文本框 96">
+            <a:extLst>
+              <a:ext uri="{FF2B5EF4-FFF2-40B4-BE49-F238E27FC236}">
+                <a16:creationId xmlns:a16="http://schemas.microsoft.com/office/drawing/2014/main" id="{3CD4C13D-B1E3-48CA-AB53-050F6C4D9C6D}"/>
+              </a:ext>
+            </a:extLst>
+          </p:cNvPr>
+          <p:cNvSpPr txBox="1"/>
+          <p:nvPr/>
+        </p:nvSpPr>
+        <p:spPr>
+          <a:xfrm>
+            <a:off x="3720902" y="5426825"/>
+            <a:ext cx="428018" cy="369332"/>
+          </a:xfrm>
+          <a:prstGeom prst="rect">
+            <a:avLst/>
+          </a:prstGeom>
+          <a:solidFill>
+            <a:schemeClr val="bg2"/>
+          </a:solidFill>
+          <a:ln>
+            <a:solidFill>
+              <a:srgbClr val="0070C0"/>
+            </a:solidFill>
+          </a:ln>
+        </p:spPr>
+        <p:txBody>
+          <a:bodyPr wrap="square" rtlCol="0">
+            <a:spAutoFit/>
+          </a:bodyPr>
+          <a:lstStyle/>
+          <a:p>
+            <a:pPr algn="ctr"/>
+            <a:r>
+              <a:rPr lang="en-US" altLang="zh-CN" dirty="0"/>
+              <a:t>1</a:t>
+            </a:r>
+            <a:endParaRPr lang="zh-CN" altLang="en-US" dirty="0"/>
+          </a:p>
+        </p:txBody>
+      </p:sp>
+      <p:sp>
+        <p:nvSpPr>
+          <p:cNvPr id="98" name="文本框 97">
+            <a:extLst>
+              <a:ext uri="{FF2B5EF4-FFF2-40B4-BE49-F238E27FC236}">
+                <a16:creationId xmlns:a16="http://schemas.microsoft.com/office/drawing/2014/main" id="{3A582CB7-715E-4D18-8DE3-06F0A9F8E846}"/>
+              </a:ext>
+            </a:extLst>
+          </p:cNvPr>
+          <p:cNvSpPr txBox="1"/>
+          <p:nvPr/>
+        </p:nvSpPr>
+        <p:spPr>
+          <a:xfrm>
+            <a:off x="4719609" y="5426825"/>
+            <a:ext cx="428018" cy="369332"/>
+          </a:xfrm>
+          <a:prstGeom prst="rect">
+            <a:avLst/>
+          </a:prstGeom>
+          <a:solidFill>
+            <a:schemeClr val="bg2"/>
+          </a:solidFill>
+          <a:ln>
+            <a:solidFill>
+              <a:srgbClr val="0070C0"/>
+            </a:solidFill>
+          </a:ln>
+        </p:spPr>
+        <p:txBody>
+          <a:bodyPr wrap="square" rtlCol="0">
+            <a:spAutoFit/>
+          </a:bodyPr>
+          <a:lstStyle/>
+          <a:p>
+            <a:pPr algn="ctr"/>
+            <a:r>
+              <a:rPr lang="en-US" altLang="zh-CN" dirty="0"/>
+              <a:t>3</a:t>
+            </a:r>
+            <a:endParaRPr lang="zh-CN" altLang="en-US" dirty="0"/>
+          </a:p>
+        </p:txBody>
+      </p:sp>
+      <p:sp>
+        <p:nvSpPr>
+          <p:cNvPr id="99" name="文本框 98">
+            <a:extLst>
+              <a:ext uri="{FF2B5EF4-FFF2-40B4-BE49-F238E27FC236}">
+                <a16:creationId xmlns:a16="http://schemas.microsoft.com/office/drawing/2014/main" id="{6B90C77A-5638-47EC-869C-0636B31AFFD7}"/>
+              </a:ext>
+            </a:extLst>
+          </p:cNvPr>
+          <p:cNvSpPr txBox="1"/>
+          <p:nvPr/>
+        </p:nvSpPr>
+        <p:spPr>
+          <a:xfrm>
+            <a:off x="5718316" y="5426825"/>
+            <a:ext cx="428018" cy="369332"/>
+          </a:xfrm>
+          <a:prstGeom prst="rect">
+            <a:avLst/>
+          </a:prstGeom>
+          <a:solidFill>
+            <a:schemeClr val="bg2"/>
+          </a:solidFill>
+          <a:ln>
+            <a:solidFill>
+              <a:srgbClr val="0070C0"/>
+            </a:solidFill>
+          </a:ln>
+        </p:spPr>
+        <p:txBody>
+          <a:bodyPr wrap="square" rtlCol="0">
+            <a:spAutoFit/>
+          </a:bodyPr>
+          <a:lstStyle/>
+          <a:p>
+            <a:pPr algn="ctr"/>
+            <a:r>
+              <a:rPr lang="en-US" altLang="zh-CN" dirty="0"/>
+              <a:t>4</a:t>
+            </a:r>
+            <a:endParaRPr lang="zh-CN" altLang="en-US" dirty="0"/>
+          </a:p>
+        </p:txBody>
+      </p:sp>
+      <p:cxnSp>
+        <p:nvCxnSpPr>
+          <p:cNvPr id="100" name="直接连接符 99">
+            <a:extLst>
+              <a:ext uri="{FF2B5EF4-FFF2-40B4-BE49-F238E27FC236}">
+                <a16:creationId xmlns:a16="http://schemas.microsoft.com/office/drawing/2014/main" id="{EC4A1987-605F-4804-8814-EE0A75812FF4}"/>
+              </a:ext>
+            </a:extLst>
+          </p:cNvPr>
+          <p:cNvCxnSpPr>
+            <a:stCxn id="97" idx="3"/>
+            <a:endCxn id="98" idx="1"/>
+          </p:cNvCxnSpPr>
+          <p:nvPr/>
+        </p:nvCxnSpPr>
+        <p:spPr>
+          <a:xfrm>
+            <a:off x="4148920" y="5611491"/>
+            <a:ext cx="570689" cy="0"/>
+          </a:xfrm>
+          <a:prstGeom prst="line">
+            <a:avLst/>
+          </a:prstGeom>
+          <a:ln w="9525" cap="flat" cmpd="sng" algn="ctr">
+            <a:solidFill>
+              <a:schemeClr val="dk1"/>
+            </a:solidFill>
+            <a:prstDash val="solid"/>
+            <a:round/>
+            <a:headEnd type="none" w="med" len="med"/>
+            <a:tailEnd type="arrow" w="med" len="med"/>
+          </a:ln>
+        </p:spPr>
+        <p:style>
+          <a:lnRef idx="0">
+            <a:scrgbClr r="0" g="0" b="0"/>
+          </a:lnRef>
+          <a:fillRef idx="0">
+            <a:scrgbClr r="0" g="0" b="0"/>
+          </a:fillRef>
+          <a:effectRef idx="0">
+            <a:scrgbClr r="0" g="0" b="0"/>
+          </a:effectRef>
+          <a:fontRef idx="minor">
+            <a:schemeClr val="tx1"/>
+          </a:fontRef>
+        </p:style>
+      </p:cxnSp>
+      <p:sp>
+        <p:nvSpPr>
+          <p:cNvPr id="102" name="文本框 101">
+            <a:extLst>
+              <a:ext uri="{FF2B5EF4-FFF2-40B4-BE49-F238E27FC236}">
+                <a16:creationId xmlns:a16="http://schemas.microsoft.com/office/drawing/2014/main" id="{66476374-CFEA-45E1-A44B-8BDC43FBEA2A}"/>
+              </a:ext>
+            </a:extLst>
+          </p:cNvPr>
+          <p:cNvSpPr txBox="1"/>
+          <p:nvPr/>
+        </p:nvSpPr>
+        <p:spPr>
+          <a:xfrm>
+            <a:off x="6717023" y="5426825"/>
+            <a:ext cx="428018" cy="369332"/>
+          </a:xfrm>
+          <a:prstGeom prst="rect">
+            <a:avLst/>
+          </a:prstGeom>
+          <a:solidFill>
+            <a:schemeClr val="bg2"/>
+          </a:solidFill>
+          <a:ln>
+            <a:solidFill>
+              <a:srgbClr val="0070C0"/>
+            </a:solidFill>
+          </a:ln>
+        </p:spPr>
+        <p:txBody>
+          <a:bodyPr wrap="square" rtlCol="0">
+            <a:spAutoFit/>
+          </a:bodyPr>
+          <a:lstStyle/>
+          <a:p>
+            <a:pPr algn="ctr"/>
+            <a:r>
+              <a:rPr lang="en-US" altLang="zh-CN" dirty="0"/>
+              <a:t>6</a:t>
+            </a:r>
+            <a:endParaRPr lang="zh-CN" altLang="en-US" dirty="0"/>
+          </a:p>
+        </p:txBody>
+      </p:sp>
+      <p:sp>
+        <p:nvSpPr>
+          <p:cNvPr id="103" name="文本框 102">
+            <a:extLst>
+              <a:ext uri="{FF2B5EF4-FFF2-40B4-BE49-F238E27FC236}">
+                <a16:creationId xmlns:a16="http://schemas.microsoft.com/office/drawing/2014/main" id="{7AE1CCD5-2353-40FC-BA5D-6E8C889C5CB3}"/>
+              </a:ext>
+            </a:extLst>
+          </p:cNvPr>
+          <p:cNvSpPr txBox="1"/>
+          <p:nvPr/>
+        </p:nvSpPr>
+        <p:spPr>
+          <a:xfrm>
+            <a:off x="5432970" y="6252182"/>
+            <a:ext cx="545742" cy="369332"/>
+          </a:xfrm>
+          <a:prstGeom prst="rect">
+            <a:avLst/>
+          </a:prstGeom>
+          <a:solidFill>
+            <a:schemeClr val="bg2"/>
+          </a:solidFill>
+          <a:ln>
+            <a:solidFill>
+              <a:srgbClr val="0070C0"/>
+            </a:solidFill>
+          </a:ln>
+        </p:spPr>
+        <p:txBody>
+          <a:bodyPr wrap="square" rtlCol="0">
+            <a:spAutoFit/>
+          </a:bodyPr>
+          <a:lstStyle/>
+          <a:p>
+            <a:pPr algn="ctr"/>
+            <a:r>
+              <a:rPr lang="en-US" altLang="zh-CN" dirty="0"/>
+              <a:t>null</a:t>
+            </a:r>
+            <a:endParaRPr lang="zh-CN" altLang="en-US" dirty="0"/>
+          </a:p>
+        </p:txBody>
+      </p:sp>
+      <p:sp>
+        <p:nvSpPr>
+          <p:cNvPr id="105" name="文本框 104">
+            <a:extLst>
+              <a:ext uri="{FF2B5EF4-FFF2-40B4-BE49-F238E27FC236}">
+                <a16:creationId xmlns:a16="http://schemas.microsoft.com/office/drawing/2014/main" id="{F806C261-1620-4964-843B-C49DB14EA454}"/>
+              </a:ext>
+            </a:extLst>
+          </p:cNvPr>
+          <p:cNvSpPr txBox="1"/>
+          <p:nvPr/>
+        </p:nvSpPr>
+        <p:spPr>
+          <a:xfrm>
+            <a:off x="6431677" y="4407999"/>
+            <a:ext cx="1119217" cy="369332"/>
+          </a:xfrm>
+          <a:prstGeom prst="rect">
+            <a:avLst/>
+          </a:prstGeom>
+          <a:noFill/>
+        </p:spPr>
+        <p:txBody>
+          <a:bodyPr wrap="none" rtlCol="0">
+            <a:spAutoFit/>
+          </a:bodyPr>
+          <a:lstStyle/>
+          <a:p>
+            <a:r>
+              <a:rPr lang="en-US" altLang="zh-CN" dirty="0" err="1"/>
+              <a:t>newHead</a:t>
+            </a:r>
+            <a:endParaRPr lang="zh-CN" altLang="en-US" dirty="0"/>
+          </a:p>
+        </p:txBody>
+      </p:sp>
+      <p:cxnSp>
+        <p:nvCxnSpPr>
+          <p:cNvPr id="106" name="连接符: 肘形 105">
+            <a:extLst>
+              <a:ext uri="{FF2B5EF4-FFF2-40B4-BE49-F238E27FC236}">
+                <a16:creationId xmlns:a16="http://schemas.microsoft.com/office/drawing/2014/main" id="{BF0F130B-E830-4424-98EF-0FBF6E4FDDB5}"/>
+              </a:ext>
+            </a:extLst>
+          </p:cNvPr>
+          <p:cNvCxnSpPr>
+            <a:stCxn id="102" idx="3"/>
+            <a:endCxn id="99" idx="2"/>
+          </p:cNvCxnSpPr>
+          <p:nvPr/>
+        </p:nvCxnSpPr>
+        <p:spPr>
+          <a:xfrm flipH="1">
+            <a:off x="5932325" y="5611491"/>
+            <a:ext cx="1212716" cy="184666"/>
+          </a:xfrm>
+          <a:prstGeom prst="bentConnector4">
+            <a:avLst>
+              <a:gd name="adj1" fmla="val -18850"/>
+              <a:gd name="adj2" fmla="val 223791"/>
+            </a:avLst>
+          </a:prstGeom>
+          <a:ln>
+            <a:solidFill>
+              <a:srgbClr val="FF0000"/>
+            </a:solidFill>
+            <a:tailEnd type="triangle"/>
+          </a:ln>
+        </p:spPr>
+        <p:style>
+          <a:lnRef idx="1">
+            <a:schemeClr val="accent1"/>
+          </a:lnRef>
+          <a:fillRef idx="0">
+            <a:schemeClr val="accent1"/>
+          </a:fillRef>
+          <a:effectRef idx="0">
+            <a:schemeClr val="accent1"/>
+          </a:effectRef>
+          <a:fontRef idx="minor">
+            <a:schemeClr val="tx1"/>
+          </a:fontRef>
+        </p:style>
+      </p:cxnSp>
+      <p:cxnSp>
+        <p:nvCxnSpPr>
+          <p:cNvPr id="107" name="连接符: 肘形 106">
+            <a:extLst>
+              <a:ext uri="{FF2B5EF4-FFF2-40B4-BE49-F238E27FC236}">
+                <a16:creationId xmlns:a16="http://schemas.microsoft.com/office/drawing/2014/main" id="{F55E7381-60E6-4E1C-A4F9-026BC9D5C89A}"/>
+              </a:ext>
+            </a:extLst>
+          </p:cNvPr>
+          <p:cNvCxnSpPr>
+            <a:cxnSpLocks/>
+            <a:stCxn id="98" idx="3"/>
+            <a:endCxn id="103" idx="1"/>
+          </p:cNvCxnSpPr>
+          <p:nvPr/>
+        </p:nvCxnSpPr>
+        <p:spPr>
+          <a:xfrm>
+            <a:off x="5147627" y="5611491"/>
+            <a:ext cx="285343" cy="825357"/>
+          </a:xfrm>
+          <a:prstGeom prst="bentConnector3">
+            <a:avLst/>
+          </a:prstGeom>
+          <a:ln>
+            <a:solidFill>
+              <a:schemeClr val="tx1"/>
+            </a:solidFill>
+            <a:tailEnd type="triangle"/>
+          </a:ln>
+        </p:spPr>
+        <p:style>
+          <a:lnRef idx="1">
+            <a:schemeClr val="accent1"/>
+          </a:lnRef>
+          <a:fillRef idx="0">
+            <a:schemeClr val="accent1"/>
+          </a:fillRef>
+          <a:effectRef idx="0">
+            <a:schemeClr val="accent1"/>
+          </a:effectRef>
+          <a:fontRef idx="minor">
+            <a:schemeClr val="tx1"/>
+          </a:fontRef>
+        </p:style>
+      </p:cxnSp>
+      <p:cxnSp>
+        <p:nvCxnSpPr>
+          <p:cNvPr id="108" name="直接箭头连接符 107">
+            <a:extLst>
+              <a:ext uri="{FF2B5EF4-FFF2-40B4-BE49-F238E27FC236}">
+                <a16:creationId xmlns:a16="http://schemas.microsoft.com/office/drawing/2014/main" id="{C4A939EF-58F4-4174-9DA6-79B3B1F2CAD0}"/>
+              </a:ext>
+            </a:extLst>
+          </p:cNvPr>
+          <p:cNvCxnSpPr>
+            <a:cxnSpLocks/>
+            <a:stCxn id="105" idx="2"/>
+            <a:endCxn id="102" idx="0"/>
+          </p:cNvCxnSpPr>
+          <p:nvPr/>
+        </p:nvCxnSpPr>
+        <p:spPr>
+          <a:xfrm flipH="1">
+            <a:off x="6931032" y="4777331"/>
+            <a:ext cx="60254" cy="649494"/>
+          </a:xfrm>
+          <a:prstGeom prst="straightConnector1">
+            <a:avLst/>
+          </a:prstGeom>
+          <a:ln>
+            <a:solidFill>
+              <a:srgbClr val="FF0000"/>
+            </a:solidFill>
+            <a:tailEnd type="triangle"/>
+          </a:ln>
+        </p:spPr>
+        <p:style>
+          <a:lnRef idx="1">
+            <a:schemeClr val="accent1"/>
+          </a:lnRef>
+          <a:fillRef idx="0">
+            <a:schemeClr val="accent1"/>
+          </a:fillRef>
+          <a:effectRef idx="0">
+            <a:schemeClr val="accent1"/>
+          </a:effectRef>
+          <a:fontRef idx="minor">
+            <a:schemeClr val="tx1"/>
+          </a:fontRef>
+        </p:style>
+      </p:cxnSp>
+      <p:cxnSp>
+        <p:nvCxnSpPr>
+          <p:cNvPr id="109" name="直接箭头连接符 108">
+            <a:extLst>
+              <a:ext uri="{FF2B5EF4-FFF2-40B4-BE49-F238E27FC236}">
+                <a16:creationId xmlns:a16="http://schemas.microsoft.com/office/drawing/2014/main" id="{8895A9D8-1B0E-4D57-BFFA-208A4557E0AC}"/>
+              </a:ext>
+            </a:extLst>
+          </p:cNvPr>
+          <p:cNvCxnSpPr>
+            <a:cxnSpLocks/>
+          </p:cNvCxnSpPr>
+          <p:nvPr/>
+        </p:nvCxnSpPr>
+        <p:spPr>
+          <a:xfrm>
+            <a:off x="4933618" y="5139256"/>
+            <a:ext cx="0" cy="287569"/>
+          </a:xfrm>
+          <a:prstGeom prst="straightConnector1">
+            <a:avLst/>
+          </a:prstGeom>
+          <a:ln>
+            <a:solidFill>
+              <a:srgbClr val="FF0000"/>
+            </a:solidFill>
+            <a:tailEnd type="triangle"/>
+          </a:ln>
+        </p:spPr>
+        <p:style>
+          <a:lnRef idx="1">
+            <a:schemeClr val="accent1"/>
+          </a:lnRef>
+          <a:fillRef idx="0">
+            <a:schemeClr val="accent1"/>
+          </a:fillRef>
+          <a:effectRef idx="0">
+            <a:schemeClr val="accent1"/>
+          </a:effectRef>
+          <a:fontRef idx="minor">
+            <a:schemeClr val="tx1"/>
+          </a:fontRef>
+        </p:style>
+      </p:cxnSp>
+      <p:sp>
+        <p:nvSpPr>
+          <p:cNvPr id="13" name="文本框 12">
+            <a:extLst>
+              <a:ext uri="{FF2B5EF4-FFF2-40B4-BE49-F238E27FC236}">
+                <a16:creationId xmlns:a16="http://schemas.microsoft.com/office/drawing/2014/main" id="{3F4AB053-EB53-451F-894B-13B582881756}"/>
+              </a:ext>
+            </a:extLst>
+          </p:cNvPr>
+          <p:cNvSpPr txBox="1"/>
+          <p:nvPr/>
+        </p:nvSpPr>
+        <p:spPr>
+          <a:xfrm>
+            <a:off x="4541550" y="4769924"/>
+            <a:ext cx="678391" cy="369332"/>
+          </a:xfrm>
+          <a:prstGeom prst="rect">
+            <a:avLst/>
+          </a:prstGeom>
+          <a:noFill/>
+        </p:spPr>
+        <p:txBody>
+          <a:bodyPr wrap="none" rtlCol="0">
+            <a:spAutoFit/>
+          </a:bodyPr>
+          <a:lstStyle/>
+          <a:p>
+            <a:r>
+              <a:rPr lang="en-US" altLang="zh-CN" dirty="0"/>
+              <a:t>head</a:t>
+            </a:r>
+            <a:endParaRPr lang="zh-CN" altLang="en-US" dirty="0"/>
+          </a:p>
+        </p:txBody>
+      </p:sp>
+      <p:cxnSp>
+        <p:nvCxnSpPr>
+          <p:cNvPr id="30" name="连接符: 肘形 29">
+            <a:extLst>
+              <a:ext uri="{FF2B5EF4-FFF2-40B4-BE49-F238E27FC236}">
+                <a16:creationId xmlns:a16="http://schemas.microsoft.com/office/drawing/2014/main" id="{DA7D1E40-A0C4-4D59-B73E-61ECF2EA0C7A}"/>
+              </a:ext>
+            </a:extLst>
+          </p:cNvPr>
+          <p:cNvCxnSpPr>
+            <a:cxnSpLocks/>
+            <a:stCxn id="99" idx="1"/>
+            <a:endCxn id="98" idx="2"/>
+          </p:cNvCxnSpPr>
+          <p:nvPr/>
+        </p:nvCxnSpPr>
+        <p:spPr>
+          <a:xfrm rot="10800000" flipV="1">
+            <a:off x="4933618" y="5611491"/>
+            <a:ext cx="784698" cy="184666"/>
+          </a:xfrm>
+          <a:prstGeom prst="bentConnector4">
+            <a:avLst>
+              <a:gd name="adj1" fmla="val 36364"/>
+              <a:gd name="adj2" fmla="val 223791"/>
+            </a:avLst>
+          </a:prstGeom>
+          <a:ln>
+            <a:solidFill>
+              <a:srgbClr val="FF0000"/>
+            </a:solidFill>
+            <a:tailEnd type="triangle"/>
+          </a:ln>
+        </p:spPr>
+        <p:style>
+          <a:lnRef idx="1">
+            <a:schemeClr val="accent1"/>
+          </a:lnRef>
+          <a:fillRef idx="0">
+            <a:schemeClr val="accent1"/>
+          </a:fillRef>
+          <a:effectRef idx="0">
+            <a:schemeClr val="accent1"/>
+          </a:effectRef>
+          <a:fontRef idx="minor">
+            <a:schemeClr val="tx1"/>
+          </a:fontRef>
+        </p:style>
+      </p:cxnSp>
+    </p:spTree>
+    <p:extLst>
+      <p:ext uri="{BB962C8B-B14F-4D97-AF65-F5344CB8AC3E}">
+        <p14:creationId xmlns:p14="http://schemas.microsoft.com/office/powerpoint/2010/main" val="638432186"/>
       </p:ext>
     </p:extLst>
   </p:cSld>
